--- a/reference_content/Slides/NLP_Basics.pptx
+++ b/reference_content/Slides/NLP_Basics.pptx
@@ -5,15 +5,34 @@
     <p:sldMasterId id="2147483660" r:id="rId1"/>
   </p:sldMasterIdLst>
   <p:sldIdLst>
-    <p:sldId id="256" r:id="rId2"/>
-    <p:sldId id="257" r:id="rId3"/>
-    <p:sldId id="258" r:id="rId4"/>
-    <p:sldId id="259" r:id="rId5"/>
-    <p:sldId id="260" r:id="rId6"/>
-    <p:sldId id="261" r:id="rId7"/>
-    <p:sldId id="262" r:id="rId8"/>
-    <p:sldId id="263" r:id="rId9"/>
-    <p:sldId id="264" r:id="rId10"/>
+    <p:sldId id="277" r:id="rId2"/>
+    <p:sldId id="273" r:id="rId3"/>
+    <p:sldId id="274" r:id="rId4"/>
+    <p:sldId id="275" r:id="rId5"/>
+    <p:sldId id="276" r:id="rId6"/>
+    <p:sldId id="278" r:id="rId7"/>
+    <p:sldId id="256" r:id="rId8"/>
+    <p:sldId id="280" r:id="rId9"/>
+    <p:sldId id="283" r:id="rId10"/>
+    <p:sldId id="257" r:id="rId11"/>
+    <p:sldId id="258" r:id="rId12"/>
+    <p:sldId id="282" r:id="rId13"/>
+    <p:sldId id="265" r:id="rId14"/>
+    <p:sldId id="259" r:id="rId15"/>
+    <p:sldId id="266" r:id="rId16"/>
+    <p:sldId id="260" r:id="rId17"/>
+    <p:sldId id="261" r:id="rId18"/>
+    <p:sldId id="267" r:id="rId19"/>
+    <p:sldId id="268" r:id="rId20"/>
+    <p:sldId id="269" r:id="rId21"/>
+    <p:sldId id="270" r:id="rId22"/>
+    <p:sldId id="271" r:id="rId23"/>
+    <p:sldId id="262" r:id="rId24"/>
+    <p:sldId id="279" r:id="rId25"/>
+    <p:sldId id="263" r:id="rId26"/>
+    <p:sldId id="264" r:id="rId27"/>
+    <p:sldId id="272" r:id="rId28"/>
+    <p:sldId id="281" r:id="rId29"/>
   </p:sldIdLst>
   <p:sldSz cx="12192000" cy="6858000"/>
   <p:notesSz cx="6858000" cy="9144000"/>
@@ -112,6 +131,83 @@
       </a:defRPr>
     </a:lvl9pPr>
   </p:defaultTextStyle>
+  <p:extLst>
+    <p:ext uri="{521415D9-36F7-43E2-AB2F-B90AF26B5E84}">
+      <p14:sectionLst xmlns:p14="http://schemas.microsoft.com/office/powerpoint/2010/main">
+        <p14:section name="Default Section" id="{4A936B7A-594C-2B4B-B4CC-F41567EE3A6C}">
+          <p14:sldIdLst>
+            <p14:sldId id="277"/>
+          </p14:sldIdLst>
+        </p14:section>
+        <p14:section name="Scaling" id="{1D0F9CF0-6021-084F-AB4A-0B1EBCB05B4B}">
+          <p14:sldIdLst>
+            <p14:sldId id="273"/>
+            <p14:sldId id="274"/>
+            <p14:sldId id="275"/>
+            <p14:sldId id="276"/>
+            <p14:sldId id="278"/>
+          </p14:sldIdLst>
+        </p14:section>
+        <p14:section name="NLP" id="{4FAB32E5-8B77-4947-A5CC-E36E518E6B2A}">
+          <p14:sldIdLst>
+            <p14:sldId id="256"/>
+            <p14:sldId id="280"/>
+            <p14:sldId id="283"/>
+            <p14:sldId id="257"/>
+          </p14:sldIdLst>
+        </p14:section>
+        <p14:section name="Tokenization" id="{FF349E67-DBA2-7E41-9D95-C3BE4C3EE406}">
+          <p14:sldIdLst>
+            <p14:sldId id="258"/>
+          </p14:sldIdLst>
+        </p14:section>
+        <p14:section name="Us vs LLM" id="{239B67F4-4582-B945-95A5-73E4A30FCC00}">
+          <p14:sldIdLst>
+            <p14:sldId id="282"/>
+            <p14:sldId id="265"/>
+          </p14:sldIdLst>
+        </p14:section>
+        <p14:section name="Vectorization" id="{F58A0714-A142-8241-823A-1A4E3B880B48}">
+          <p14:sldIdLst>
+            <p14:sldId id="259"/>
+            <p14:sldId id="266"/>
+            <p14:sldId id="260"/>
+            <p14:sldId id="261"/>
+            <p14:sldId id="267"/>
+            <p14:sldId id="268"/>
+            <p14:sldId id="269"/>
+            <p14:sldId id="270"/>
+            <p14:sldId id="271"/>
+          </p14:sldIdLst>
+        </p14:section>
+        <p14:section name="Stemm Lemm" id="{FB58EB66-5E53-AE4C-85E4-3F473ECFB703}">
+          <p14:sldIdLst>
+            <p14:sldId id="262"/>
+            <p14:sldId id="279"/>
+          </p14:sldIdLst>
+        </p14:section>
+        <p14:section name="ngrams" id="{BA736B66-BC1C-8147-93AD-0B0121FB7616}">
+          <p14:sldIdLst>
+            <p14:sldId id="263"/>
+          </p14:sldIdLst>
+        </p14:section>
+        <p14:section name="Sparse" id="{E22BFC33-2F8E-714E-8179-56B67AEF5747}">
+          <p14:sldIdLst>
+            <p14:sldId id="264"/>
+            <p14:sldId id="272"/>
+          </p14:sldIdLst>
+        </p14:section>
+        <p14:section name="Conclusion" id="{6FDEE4B3-CBD4-B14C-942D-070F53711AA3}">
+          <p14:sldIdLst>
+            <p14:sldId id="281"/>
+          </p14:sldIdLst>
+        </p14:section>
+      </p14:sectionLst>
+    </p:ext>
+    <p:ext uri="{EFAFB233-063F-42B5-8137-9DF3F51BA10A}">
+      <p15:sldGuideLst xmlns:p15="http://schemas.microsoft.com/office/powerpoint/2012/main"/>
+    </p:ext>
+  </p:extLst>
 </p:presentation>
 </file>
 
@@ -254,7 +350,7 @@
           <a:p>
             <a:fld id="{47BECF47-DD12-2841-A4DD-EB5F8FCB48C5}" type="datetimeFigureOut">
               <a:rPr lang="en-US" smtClean="0"/>
-              <a:t>2/3/22</a:t>
+              <a:t>2/6/25</a:t>
             </a:fld>
             <a:endParaRPr lang="en-US"/>
           </a:p>
@@ -465,7 +561,7 @@
           <a:p>
             <a:fld id="{47BECF47-DD12-2841-A4DD-EB5F8FCB48C5}" type="datetimeFigureOut">
               <a:rPr lang="en-US" smtClean="0"/>
-              <a:t>2/3/22</a:t>
+              <a:t>2/6/25</a:t>
             </a:fld>
             <a:endParaRPr lang="en-US"/>
           </a:p>
@@ -680,7 +776,7 @@
           <a:p>
             <a:fld id="{47BECF47-DD12-2841-A4DD-EB5F8FCB48C5}" type="datetimeFigureOut">
               <a:rPr lang="en-US" smtClean="0"/>
-              <a:t>2/3/22</a:t>
+              <a:t>2/6/25</a:t>
             </a:fld>
             <a:endParaRPr lang="en-US"/>
           </a:p>
@@ -881,7 +977,7 @@
           <a:p>
             <a:fld id="{47BECF47-DD12-2841-A4DD-EB5F8FCB48C5}" type="datetimeFigureOut">
               <a:rPr lang="en-US" smtClean="0"/>
-              <a:t>2/3/22</a:t>
+              <a:t>2/6/25</a:t>
             </a:fld>
             <a:endParaRPr lang="en-US"/>
           </a:p>
@@ -1160,7 +1256,7 @@
           <a:p>
             <a:fld id="{47BECF47-DD12-2841-A4DD-EB5F8FCB48C5}" type="datetimeFigureOut">
               <a:rPr lang="en-US" smtClean="0"/>
-              <a:t>2/3/22</a:t>
+              <a:t>2/6/25</a:t>
             </a:fld>
             <a:endParaRPr lang="en-US"/>
           </a:p>
@@ -1428,7 +1524,7 @@
           <a:p>
             <a:fld id="{47BECF47-DD12-2841-A4DD-EB5F8FCB48C5}" type="datetimeFigureOut">
               <a:rPr lang="en-US" smtClean="0"/>
-              <a:t>2/3/22</a:t>
+              <a:t>2/6/25</a:t>
             </a:fld>
             <a:endParaRPr lang="en-US"/>
           </a:p>
@@ -1844,7 +1940,7 @@
           <a:p>
             <a:fld id="{47BECF47-DD12-2841-A4DD-EB5F8FCB48C5}" type="datetimeFigureOut">
               <a:rPr lang="en-US" smtClean="0"/>
-              <a:t>2/3/22</a:t>
+              <a:t>2/6/25</a:t>
             </a:fld>
             <a:endParaRPr lang="en-US"/>
           </a:p>
@@ -1993,7 +2089,7 @@
           <a:p>
             <a:fld id="{47BECF47-DD12-2841-A4DD-EB5F8FCB48C5}" type="datetimeFigureOut">
               <a:rPr lang="en-US" smtClean="0"/>
-              <a:t>2/3/22</a:t>
+              <a:t>2/6/25</a:t>
             </a:fld>
             <a:endParaRPr lang="en-US"/>
           </a:p>
@@ -2119,7 +2215,7 @@
           <a:p>
             <a:fld id="{47BECF47-DD12-2841-A4DD-EB5F8FCB48C5}" type="datetimeFigureOut">
               <a:rPr lang="en-US" smtClean="0"/>
-              <a:t>2/3/22</a:t>
+              <a:t>2/6/25</a:t>
             </a:fld>
             <a:endParaRPr lang="en-US"/>
           </a:p>
@@ -2370,7 +2466,7 @@
           <a:p>
             <a:fld id="{47BECF47-DD12-2841-A4DD-EB5F8FCB48C5}" type="datetimeFigureOut">
               <a:rPr lang="en-US" smtClean="0"/>
-              <a:t>2/3/22</a:t>
+              <a:t>2/6/25</a:t>
             </a:fld>
             <a:endParaRPr lang="en-US"/>
           </a:p>
@@ -2815,7 +2911,7 @@
           <a:p>
             <a:fld id="{47BECF47-DD12-2841-A4DD-EB5F8FCB48C5}" type="datetimeFigureOut">
               <a:rPr lang="en-US" smtClean="0"/>
-              <a:t>2/3/22</a:t>
+              <a:t>2/6/25</a:t>
             </a:fld>
             <a:endParaRPr lang="en-US"/>
           </a:p>
@@ -3142,7 +3238,7 @@
           <a:p>
             <a:fld id="{47BECF47-DD12-2841-A4DD-EB5F8FCB48C5}" type="datetimeFigureOut">
               <a:rPr lang="en-US" smtClean="0"/>
-              <a:t>2/3/22</a:t>
+              <a:t>2/6/25</a:t>
             </a:fld>
             <a:endParaRPr lang="en-US"/>
           </a:p>
@@ -3633,7 +3729,7 @@
           <p:cNvPr id="2" name="Title 1">
             <a:extLst>
               <a:ext uri="{FF2B5EF4-FFF2-40B4-BE49-F238E27FC236}">
-                <a16:creationId xmlns:a16="http://schemas.microsoft.com/office/drawing/2014/main" id="{C5092D04-83BB-BC40-A621-50C2A01BF172}"/>
+                <a16:creationId xmlns:a16="http://schemas.microsoft.com/office/drawing/2014/main" id="{B68C2CBF-BC15-D8B6-FB21-AE2E858C6123}"/>
               </a:ext>
             </a:extLst>
           </p:cNvPr>
@@ -3641,29 +3737,27 @@
             <a:spLocks noGrp="1"/>
           </p:cNvSpPr>
           <p:nvPr>
-            <p:ph type="ctrTitle"/>
+            <p:ph type="title"/>
           </p:nvPr>
         </p:nvSpPr>
         <p:spPr/>
         <p:txBody>
-          <a:bodyPr>
-            <a:normAutofit fontScale="90000"/>
-          </a:bodyPr>
-          <a:lstStyle/>
-          <a:p>
-            <a:r>
-              <a:rPr lang="en-US" dirty="0"/>
-              <a:t>Basic Text Processing and NLP</a:t>
-            </a:r>
-          </a:p>
-        </p:txBody>
-      </p:sp>
-      <p:sp>
-        <p:nvSpPr>
-          <p:cNvPr id="3" name="Subtitle 2">
+          <a:bodyPr/>
+          <a:lstStyle/>
+          <a:p>
+            <a:r>
+              <a:rPr lang="en-US" dirty="0"/>
+              <a:t>housekeeping</a:t>
+            </a:r>
+          </a:p>
+        </p:txBody>
+      </p:sp>
+      <p:sp>
+        <p:nvSpPr>
+          <p:cNvPr id="3" name="Content Placeholder 2">
             <a:extLst>
               <a:ext uri="{FF2B5EF4-FFF2-40B4-BE49-F238E27FC236}">
-                <a16:creationId xmlns:a16="http://schemas.microsoft.com/office/drawing/2014/main" id="{5BED6B4A-D955-394D-87C4-DD91EBB5FCC3}"/>
+                <a16:creationId xmlns:a16="http://schemas.microsoft.com/office/drawing/2014/main" id="{D3BF732F-7448-2575-F74E-B3C0BABBC5BD}"/>
               </a:ext>
             </a:extLst>
           </p:cNvPr>
@@ -3671,22 +3765,69 @@
             <a:spLocks noGrp="1"/>
           </p:cNvSpPr>
           <p:nvPr>
-            <p:ph type="subTitle" idx="1"/>
-          </p:nvPr>
-        </p:nvSpPr>
-        <p:spPr/>
-        <p:txBody>
-          <a:bodyPr/>
-          <a:lstStyle/>
-          <a:p>
-            <a:endParaRPr lang="en-US"/>
+            <p:ph idx="1"/>
+          </p:nvPr>
+        </p:nvSpPr>
+        <p:spPr>
+          <a:xfrm>
+            <a:off x="1451579" y="1938130"/>
+            <a:ext cx="9603275" cy="4115351"/>
+          </a:xfrm>
+        </p:spPr>
+        <p:txBody>
+          <a:bodyPr/>
+          <a:lstStyle/>
+          <a:p>
+            <a:r>
+              <a:rPr lang="en-US" dirty="0"/>
+              <a:t>Today – Intro to NLP. </a:t>
+            </a:r>
+          </a:p>
+          <a:p>
+            <a:pPr lvl="1"/>
+            <a:r>
+              <a:rPr lang="en-US" dirty="0"/>
+              <a:t>Tokenization</a:t>
+            </a:r>
+          </a:p>
+          <a:p>
+            <a:r>
+              <a:rPr lang="en-US" dirty="0"/>
+              <a:t>Feature scaling – a better answer than my mumbling one. </a:t>
+            </a:r>
+          </a:p>
+          <a:p>
+            <a:r>
+              <a:rPr lang="en-US" dirty="0"/>
+              <a:t>There’s a test next time! Get all the answers right so the marking is easy please. </a:t>
+            </a:r>
+          </a:p>
+          <a:p>
+            <a:r>
+              <a:rPr lang="en-US" dirty="0"/>
+              <a:t>There’s a group project on NLP after reading week – pick groups. </a:t>
+            </a:r>
+          </a:p>
+          <a:p>
+            <a:pPr lvl="1"/>
+            <a:r>
+              <a:rPr lang="en-US" dirty="0"/>
+              <a:t>Assignments -&gt; Groups -&gt; There’s some selection thingy here. </a:t>
+            </a:r>
+          </a:p>
+          <a:p>
+            <a:pPr lvl="1"/>
+            <a:r>
+              <a:rPr lang="en-US" dirty="0"/>
+              <a:t>I accidentally deleted the groups trying to set them up, please let me know if things go weird. </a:t>
+            </a:r>
           </a:p>
         </p:txBody>
       </p:sp>
     </p:spTree>
     <p:extLst>
       <p:ext uri="{BB962C8B-B14F-4D97-AF65-F5344CB8AC3E}">
-        <p14:creationId xmlns:p14="http://schemas.microsoft.com/office/powerpoint/2010/main" val="1564064052"/>
+        <p14:creationId xmlns:p14="http://schemas.microsoft.com/office/powerpoint/2010/main" val="3603875735"/>
       </p:ext>
     </p:extLst>
   </p:cSld>
@@ -3696,7 +3837,7 @@
 </p:sld>
 </file>
 
-<file path=ppt/slides/slide2.xml><?xml version="1.0" encoding="utf-8"?>
+<file path=ppt/slides/slide10.xml><?xml version="1.0" encoding="utf-8"?>
 <p:sld xmlns:a="http://schemas.openxmlformats.org/drawingml/2006/main" xmlns:r="http://schemas.openxmlformats.org/officeDocument/2006/relationships" xmlns:p="http://schemas.openxmlformats.org/presentationml/2006/main">
   <p:cSld>
     <p:spTree>
@@ -3757,59 +3898,15 @@
             <p:ph idx="1"/>
           </p:nvPr>
         </p:nvSpPr>
-        <p:spPr/>
-        <p:txBody>
-          <a:bodyPr/>
-          <a:lstStyle/>
-          <a:p>
-            <a:r>
-              <a:rPr lang="en-US" dirty="0"/>
-              <a:t>Free text doesn’t really make for good material for machine learning. </a:t>
-            </a:r>
-          </a:p>
-          <a:p>
-            <a:pPr lvl="1"/>
-            <a:r>
-              <a:rPr lang="en-US" dirty="0"/>
-              <a:t>E.g. “</a:t>
-            </a:r>
-            <a:r>
-              <a:rPr lang="en-CA" dirty="0" err="1"/>
-              <a:t>FreeMsg</a:t>
-            </a:r>
-            <a:r>
-              <a:rPr lang="en-CA" dirty="0"/>
-              <a:t> Hey there darling it's been 3 week's now and no word back! I'd like some fun you up for it still? Tb ok! </a:t>
-            </a:r>
-            <a:r>
-              <a:rPr lang="en-CA" dirty="0" err="1"/>
-              <a:t>XxX</a:t>
-            </a:r>
-            <a:r>
-              <a:rPr lang="en-CA" dirty="0"/>
-              <a:t> std </a:t>
-            </a:r>
-            <a:r>
-              <a:rPr lang="en-CA" dirty="0" err="1"/>
-              <a:t>chgs</a:t>
-            </a:r>
-            <a:r>
-              <a:rPr lang="en-CA" dirty="0"/>
-              <a:t> to send, å£1.50 to </a:t>
-            </a:r>
-            <a:r>
-              <a:rPr lang="en-CA" dirty="0" err="1"/>
-              <a:t>rcv</a:t>
-            </a:r>
-            <a:r>
-              <a:rPr lang="en-CA" dirty="0"/>
-              <a:t> </a:t>
-            </a:r>
-            <a:r>
-              <a:rPr lang="en-US" dirty="0"/>
-              <a:t>”</a:t>
-            </a:r>
-          </a:p>
+        <p:spPr>
+          <a:xfrm>
+            <a:off x="1451579" y="2015732"/>
+            <a:ext cx="9603275" cy="4037749"/>
+          </a:xfrm>
+        </p:spPr>
+        <p:txBody>
+          <a:bodyPr/>
+          <a:lstStyle/>
           <a:p>
             <a:r>
               <a:rPr lang="en-US" dirty="0"/>
@@ -3832,6 +3929,12 @@
             <a:r>
               <a:rPr lang="en-US" dirty="0"/>
               <a:t>For example, can we filter spam messages from not spam?</a:t>
+            </a:r>
+          </a:p>
+          <a:p>
+            <a:r>
+              <a:rPr lang="en-US" dirty="0"/>
+              <a:t>The first step is to generate some representation of the text that we can process. </a:t>
             </a:r>
           </a:p>
         </p:txBody>
@@ -3849,7 +3952,7 @@
 </p:sld>
 </file>
 
-<file path=ppt/slides/slide3.xml><?xml version="1.0" encoding="utf-8"?>
+<file path=ppt/slides/slide11.xml><?xml version="1.0" encoding="utf-8"?>
 <p:sld xmlns:a="http://schemas.openxmlformats.org/drawingml/2006/main" xmlns:r="http://schemas.openxmlformats.org/officeDocument/2006/relationships" xmlns:p="http://schemas.openxmlformats.org/presentationml/2006/main">
   <p:cSld>
     <p:spTree>
@@ -3912,13 +4015,13 @@
         </p:nvSpPr>
         <p:spPr>
           <a:xfrm>
-            <a:off x="1451579" y="2015732"/>
-            <a:ext cx="8877485" cy="4037749"/>
+            <a:off x="1451579" y="1853754"/>
+            <a:ext cx="8877485" cy="4199727"/>
           </a:xfrm>
         </p:spPr>
         <p:txBody>
           <a:bodyPr>
-            <a:normAutofit fontScale="92500" lnSpcReduction="10000"/>
+            <a:normAutofit lnSpcReduction="10000"/>
           </a:bodyPr>
           <a:lstStyle/>
           <a:p>
@@ -3936,13 +4039,13 @@
           <a:p>
             <a:r>
               <a:rPr lang="en-US" dirty="0"/>
-              <a:t>The tokenization process usually also strips things like punctuation, converts all text to lower case, and may remove stop words. </a:t>
-            </a:r>
-          </a:p>
-          <a:p>
-            <a:r>
-              <a:rPr lang="en-US" dirty="0"/>
-              <a:t>Stop words – stuff that isn’t useful:</a:t>
+              <a:t>The tokenization process usually also strips things like punctuation, converts all text to lower case, and may remove stop words. (~ Make it ‘just words’)</a:t>
+            </a:r>
+          </a:p>
+          <a:p>
+            <a:r>
+              <a:rPr lang="en-US" dirty="0"/>
+              <a:t>Stop words – stuff that isn’t useful (for us) because it doesn’t convey meaning:</a:t>
             </a:r>
           </a:p>
           <a:p>
@@ -3983,20 +4086,8 @@
           <a:p>
             <a:pPr lvl="1"/>
             <a:r>
-              <a:rPr lang="en-US" dirty="0" err="1"/>
-              <a:t>Ngrams</a:t>
-            </a:r>
-            <a:r>
-              <a:rPr lang="en-US" dirty="0"/>
-              <a:t> – a token, or “word (</a:t>
-            </a:r>
-            <a:r>
-              <a:rPr lang="en-US" dirty="0" err="1"/>
-              <a:t>kinda</a:t>
-            </a:r>
-            <a:r>
-              <a:rPr lang="en-US" dirty="0"/>
-              <a:t>)”</a:t>
+              <a:rPr lang="en-US" dirty="0"/>
+              <a:t>Token – a word (kind of, more later.)</a:t>
             </a:r>
           </a:p>
         </p:txBody>
@@ -4044,7 +4135,7 @@
 </p:sld>
 </file>
 
-<file path=ppt/slides/slide4.xml><?xml version="1.0" encoding="utf-8"?>
+<file path=ppt/slides/slide12.xml><?xml version="1.0" encoding="utf-8"?>
 <p:sld xmlns:a="http://schemas.openxmlformats.org/drawingml/2006/main" xmlns:r="http://schemas.openxmlformats.org/officeDocument/2006/relationships" xmlns:p="http://schemas.openxmlformats.org/presentationml/2006/main">
   <p:cSld>
     <p:bg>
@@ -4090,6 +4181,418 @@
           <p:cNvPr id="2" name="Title 1">
             <a:extLst>
               <a:ext uri="{FF2B5EF4-FFF2-40B4-BE49-F238E27FC236}">
+                <a16:creationId xmlns:a16="http://schemas.microsoft.com/office/drawing/2014/main" id="{6C99E2AA-6977-19B1-DA1F-78E0984BE0A1}"/>
+              </a:ext>
+            </a:extLst>
+          </p:cNvPr>
+          <p:cNvSpPr>
+            <a:spLocks noGrp="1"/>
+          </p:cNvSpPr>
+          <p:nvPr>
+            <p:ph type="title"/>
+          </p:nvPr>
+        </p:nvSpPr>
+        <p:spPr>
+          <a:xfrm>
+            <a:off x="1451579" y="804519"/>
+            <a:ext cx="9603275" cy="1049235"/>
+          </a:xfrm>
+        </p:spPr>
+        <p:txBody>
+          <a:bodyPr>
+            <a:normAutofit/>
+          </a:bodyPr>
+          <a:lstStyle/>
+          <a:p>
+            <a:r>
+              <a:rPr lang="en-US" dirty="0"/>
+              <a:t>Note - For Our Examples…</a:t>
+            </a:r>
+          </a:p>
+        </p:txBody>
+      </p:sp>
+      <p:sp>
+        <p:nvSpPr>
+          <p:cNvPr id="3" name="Content Placeholder 2">
+            <a:extLst>
+              <a:ext uri="{FF2B5EF4-FFF2-40B4-BE49-F238E27FC236}">
+                <a16:creationId xmlns:a16="http://schemas.microsoft.com/office/drawing/2014/main" id="{A8118C0E-6DF9-446A-4AF9-F484ECA3CCD5}"/>
+              </a:ext>
+            </a:extLst>
+          </p:cNvPr>
+          <p:cNvSpPr>
+            <a:spLocks noGrp="1"/>
+          </p:cNvSpPr>
+          <p:nvPr>
+            <p:ph idx="1"/>
+          </p:nvPr>
+        </p:nvSpPr>
+        <p:spPr>
+          <a:xfrm>
+            <a:off x="54088" y="1853754"/>
+            <a:ext cx="6365652" cy="4288629"/>
+          </a:xfrm>
+        </p:spPr>
+        <p:txBody>
+          <a:bodyPr>
+            <a:normAutofit fontScale="92500" lnSpcReduction="10000"/>
+          </a:bodyPr>
+          <a:lstStyle/>
+          <a:p>
+            <a:pPr>
+              <a:lnSpc>
+                <a:spcPct val="110000"/>
+              </a:lnSpc>
+            </a:pPr>
+            <a:r>
+              <a:rPr lang="en-US" dirty="0"/>
+              <a:t>As we go through text processing almost all of the focus is on the features and processing the text – we barely mention the target. </a:t>
+            </a:r>
+          </a:p>
+          <a:p>
+            <a:pPr>
+              <a:lnSpc>
+                <a:spcPct val="110000"/>
+              </a:lnSpc>
+            </a:pPr>
+            <a:r>
+              <a:rPr lang="en-US" dirty="0"/>
+              <a:t>You can think of these as sentiment analysis – one of the most common NLP prediction tasks. </a:t>
+            </a:r>
+          </a:p>
+          <a:p>
+            <a:pPr lvl="1">
+              <a:lnSpc>
+                <a:spcPct val="110000"/>
+              </a:lnSpc>
+            </a:pPr>
+            <a:r>
+              <a:rPr lang="en-US" sz="2000" dirty="0"/>
+              <a:t>E.g. we have some hotel reviews and want to determine which are positive vs negative. </a:t>
+            </a:r>
+          </a:p>
+          <a:p>
+            <a:pPr>
+              <a:lnSpc>
+                <a:spcPct val="110000"/>
+              </a:lnSpc>
+            </a:pPr>
+            <a:r>
+              <a:rPr lang="en-US" sz="2200" dirty="0"/>
+              <a:t>Other normal prediction things will be the same, except for the target. </a:t>
+            </a:r>
+          </a:p>
+          <a:p>
+            <a:pPr lvl="1">
+              <a:lnSpc>
+                <a:spcPct val="110000"/>
+              </a:lnSpc>
+            </a:pPr>
+            <a:r>
+              <a:rPr lang="en-US" sz="2000" dirty="0"/>
+              <a:t>Processed text is the feature set. </a:t>
+            </a:r>
+          </a:p>
+          <a:p>
+            <a:pPr lvl="1">
+              <a:lnSpc>
+                <a:spcPct val="110000"/>
+              </a:lnSpc>
+            </a:pPr>
+            <a:r>
+              <a:rPr lang="en-US" sz="2000" dirty="0"/>
+              <a:t>Pos/Neg type of classification is target. </a:t>
+            </a:r>
+          </a:p>
+          <a:p>
+            <a:pPr>
+              <a:lnSpc>
+                <a:spcPct val="110000"/>
+              </a:lnSpc>
+            </a:pPr>
+            <a:r>
+              <a:rPr lang="en-US" sz="2200" dirty="0"/>
+              <a:t>Our usage has a target, LLM models predict next token*.</a:t>
+            </a:r>
+          </a:p>
+        </p:txBody>
+      </p:sp>
+      <p:pic>
+        <p:nvPicPr>
+          <p:cNvPr id="9218" name="Picture 2" descr="Sentiment Analysis: A Fascinating Problem | by Nitin Kumar Kain | Medium">
+            <a:extLst>
+              <a:ext uri="{FF2B5EF4-FFF2-40B4-BE49-F238E27FC236}">
+                <a16:creationId xmlns:a16="http://schemas.microsoft.com/office/drawing/2014/main" id="{3CA6D6A6-8D49-A1FF-1B7A-7F9DE41E9CB3}"/>
+              </a:ext>
+            </a:extLst>
+          </p:cNvPr>
+          <p:cNvPicPr>
+            <a:picLocks noChangeAspect="1" noChangeArrowheads="1"/>
+          </p:cNvPicPr>
+          <p:nvPr/>
+        </p:nvPicPr>
+        <p:blipFill>
+          <a:blip r:embed="rId2">
+            <a:extLst>
+              <a:ext uri="{28A0092B-C50C-407E-A947-70E740481C1C}">
+                <a14:useLocalDpi xmlns:a14="http://schemas.microsoft.com/office/drawing/2010/main" val="0"/>
+              </a:ext>
+            </a:extLst>
+          </a:blip>
+          <a:stretch>
+            <a:fillRect/>
+          </a:stretch>
+        </p:blipFill>
+        <p:spPr bwMode="auto">
+          <a:xfrm>
+            <a:off x="6419740" y="2015734"/>
+            <a:ext cx="5718172" cy="4288629"/>
+          </a:xfrm>
+          <a:prstGeom prst="rect">
+            <a:avLst/>
+          </a:prstGeom>
+          <a:noFill/>
+          <a:extLst>
+            <a:ext uri="{909E8E84-426E-40DD-AFC4-6F175D3DCCD1}">
+              <a14:hiddenFill xmlns:a14="http://schemas.microsoft.com/office/drawing/2010/main">
+                <a:solidFill>
+                  <a:srgbClr val="FFFFFF"/>
+                </a:solidFill>
+              </a14:hiddenFill>
+            </a:ext>
+          </a:extLst>
+        </p:spPr>
+      </p:pic>
+    </p:spTree>
+    <p:extLst>
+      <p:ext uri="{BB962C8B-B14F-4D97-AF65-F5344CB8AC3E}">
+        <p14:creationId xmlns:p14="http://schemas.microsoft.com/office/powerpoint/2010/main" val="2688014579"/>
+      </p:ext>
+    </p:extLst>
+  </p:cSld>
+  <p:clrMapOvr>
+    <a:masterClrMapping/>
+  </p:clrMapOvr>
+</p:sld>
+</file>
+
+<file path=ppt/slides/slide13.xml><?xml version="1.0" encoding="utf-8"?>
+<p:sld xmlns:a="http://schemas.openxmlformats.org/drawingml/2006/main" xmlns:r="http://schemas.openxmlformats.org/officeDocument/2006/relationships" xmlns:p="http://schemas.openxmlformats.org/presentationml/2006/main">
+  <p:cSld>
+    <p:spTree>
+      <p:nvGrpSpPr>
+        <p:cNvPr id="1" name=""/>
+        <p:cNvGrpSpPr/>
+        <p:nvPr/>
+      </p:nvGrpSpPr>
+      <p:grpSpPr>
+        <a:xfrm>
+          <a:off x="0" y="0"/>
+          <a:ext cx="0" cy="0"/>
+          <a:chOff x="0" y="0"/>
+          <a:chExt cx="0" cy="0"/>
+        </a:xfrm>
+      </p:grpSpPr>
+      <p:sp>
+        <p:nvSpPr>
+          <p:cNvPr id="2" name="Title 1">
+            <a:extLst>
+              <a:ext uri="{FF2B5EF4-FFF2-40B4-BE49-F238E27FC236}">
+                <a16:creationId xmlns:a16="http://schemas.microsoft.com/office/drawing/2014/main" id="{28B2CA86-CC94-2281-7A56-2CE872C348D7}"/>
+              </a:ext>
+            </a:extLst>
+          </p:cNvPr>
+          <p:cNvSpPr>
+            <a:spLocks noGrp="1"/>
+          </p:cNvSpPr>
+          <p:nvPr>
+            <p:ph type="title"/>
+          </p:nvPr>
+        </p:nvSpPr>
+        <p:spPr/>
+        <p:txBody>
+          <a:bodyPr/>
+          <a:lstStyle/>
+          <a:p>
+            <a:r>
+              <a:rPr lang="en-US" dirty="0"/>
+              <a:t>Note - Tokenization for us vs. ChatGPT</a:t>
+            </a:r>
+          </a:p>
+        </p:txBody>
+      </p:sp>
+      <p:sp>
+        <p:nvSpPr>
+          <p:cNvPr id="3" name="Content Placeholder 2">
+            <a:extLst>
+              <a:ext uri="{FF2B5EF4-FFF2-40B4-BE49-F238E27FC236}">
+                <a16:creationId xmlns:a16="http://schemas.microsoft.com/office/drawing/2014/main" id="{80F783EC-6BB6-3073-B19B-BBC738DF77D7}"/>
+              </a:ext>
+            </a:extLst>
+          </p:cNvPr>
+          <p:cNvSpPr>
+            <a:spLocks noGrp="1"/>
+          </p:cNvSpPr>
+          <p:nvPr>
+            <p:ph idx="1"/>
+          </p:nvPr>
+        </p:nvSpPr>
+        <p:spPr>
+          <a:xfrm>
+            <a:off x="1451579" y="1853754"/>
+            <a:ext cx="10038056" cy="4199727"/>
+          </a:xfrm>
+        </p:spPr>
+        <p:txBody>
+          <a:bodyPr>
+            <a:normAutofit/>
+          </a:bodyPr>
+          <a:lstStyle/>
+          <a:p>
+            <a:r>
+              <a:rPr lang="en-US" dirty="0"/>
+              <a:t>In our usage, we are stripping lots of the structure from the text. </a:t>
+            </a:r>
+          </a:p>
+          <a:p>
+            <a:pPr lvl="1"/>
+            <a:r>
+              <a:rPr lang="en-US" dirty="0"/>
+              <a:t>Stop words, punctuation, </a:t>
+            </a:r>
+            <a:r>
+              <a:rPr lang="en-US" dirty="0" err="1"/>
+              <a:t>etc</a:t>
+            </a:r>
+            <a:r>
+              <a:rPr lang="en-US" dirty="0"/>
+              <a:t>…</a:t>
+            </a:r>
+          </a:p>
+          <a:p>
+            <a:r>
+              <a:rPr lang="en-US" dirty="0"/>
+              <a:t>Our usage is as features for predictions, so we want ‘meaning’. </a:t>
+            </a:r>
+          </a:p>
+          <a:p>
+            <a:pPr lvl="1"/>
+            <a:r>
+              <a:rPr lang="en-US" dirty="0"/>
+              <a:t>The model doesn’t really need to know a sentence’s structure, just what it is saying. </a:t>
+            </a:r>
+          </a:p>
+          <a:p>
+            <a:pPr lvl="1"/>
+            <a:r>
+              <a:rPr lang="en-US" dirty="0"/>
+              <a:t>Removing things like ‘a’, or commas changes the sentence, but not the meaning. </a:t>
+            </a:r>
+          </a:p>
+          <a:p>
+            <a:r>
+              <a:rPr lang="en-US" dirty="0"/>
+              <a:t>Large models like LLMs are a little different in this, they produce text – structure matters.</a:t>
+            </a:r>
+          </a:p>
+          <a:p>
+            <a:pPr lvl="1"/>
+            <a:r>
+              <a:rPr lang="en-US" dirty="0"/>
+              <a:t>They need to keep that stuff in the training data as that’s part of what must be learned. </a:t>
+            </a:r>
+          </a:p>
+          <a:p>
+            <a:pPr lvl="1"/>
+            <a:r>
+              <a:rPr lang="en-US" dirty="0"/>
+              <a:t>The amount of data needed skyrockets – language is way more complex when you model all the ways to say a thing vs. just the thing that is being said. </a:t>
+            </a:r>
+          </a:p>
+          <a:p>
+            <a:pPr lvl="1"/>
+            <a:r>
+              <a:rPr lang="en-US" dirty="0"/>
+              <a:t>E.g. “I’m going skiing”, “</a:t>
+            </a:r>
+            <a:r>
+              <a:rPr lang="en-US" dirty="0" err="1"/>
+              <a:t>Imma</a:t>
+            </a:r>
+            <a:r>
+              <a:rPr lang="en-US" dirty="0"/>
+              <a:t> go skiing”, “I have to ski” vs. “I ski” – the 1</a:t>
+            </a:r>
+            <a:r>
+              <a:rPr lang="en-US" baseline="30000" dirty="0"/>
+              <a:t>st</a:t>
+            </a:r>
+            <a:r>
+              <a:rPr lang="en-US" dirty="0"/>
+              <a:t> is way more complex.</a:t>
+            </a:r>
+          </a:p>
+        </p:txBody>
+      </p:sp>
+    </p:spTree>
+    <p:extLst>
+      <p:ext uri="{BB962C8B-B14F-4D97-AF65-F5344CB8AC3E}">
+        <p14:creationId xmlns:p14="http://schemas.microsoft.com/office/powerpoint/2010/main" val="4019481935"/>
+      </p:ext>
+    </p:extLst>
+  </p:cSld>
+  <p:clrMapOvr>
+    <a:masterClrMapping/>
+  </p:clrMapOvr>
+</p:sld>
+</file>
+
+<file path=ppt/slides/slide14.xml><?xml version="1.0" encoding="utf-8"?>
+<p:sld xmlns:a="http://schemas.openxmlformats.org/drawingml/2006/main" xmlns:r="http://schemas.openxmlformats.org/officeDocument/2006/relationships" xmlns:p="http://schemas.openxmlformats.org/presentationml/2006/main">
+  <p:cSld>
+    <p:bg>
+      <p:bgPr>
+        <a:gradFill rotWithShape="1">
+          <a:gsLst>
+            <a:gs pos="0">
+              <a:schemeClr val="bg2">
+                <a:tint val="94000"/>
+                <a:satMod val="80000"/>
+                <a:lumMod val="106000"/>
+              </a:schemeClr>
+            </a:gs>
+            <a:gs pos="100000">
+              <a:schemeClr val="bg2">
+                <a:shade val="80000"/>
+              </a:schemeClr>
+            </a:gs>
+          </a:gsLst>
+          <a:path path="circle">
+            <a:fillToRect l="43000" r="43000" b="100000"/>
+          </a:path>
+        </a:gradFill>
+        <a:effectLst/>
+      </p:bgPr>
+    </p:bg>
+    <p:spTree>
+      <p:nvGrpSpPr>
+        <p:cNvPr id="1" name=""/>
+        <p:cNvGrpSpPr/>
+        <p:nvPr/>
+      </p:nvGrpSpPr>
+      <p:grpSpPr>
+        <a:xfrm>
+          <a:off x="0" y="0"/>
+          <a:ext cx="0" cy="0"/>
+          <a:chOff x="0" y="0"/>
+          <a:chExt cx="0" cy="0"/>
+        </a:xfrm>
+      </p:grpSpPr>
+      <p:sp>
+        <p:nvSpPr>
+          <p:cNvPr id="2" name="Title 1">
+            <a:extLst>
+              <a:ext uri="{FF2B5EF4-FFF2-40B4-BE49-F238E27FC236}">
                 <a16:creationId xmlns:a16="http://schemas.microsoft.com/office/drawing/2014/main" id="{EE51E407-A124-ED41-B87E-942D5FD96CCD}"/>
               </a:ext>
             </a:extLst>
@@ -4138,8 +4641,8 @@
         </p:nvSpPr>
         <p:spPr>
           <a:xfrm>
-            <a:off x="420915" y="2015733"/>
-            <a:ext cx="5673496" cy="4037747"/>
+            <a:off x="109330" y="1853755"/>
+            <a:ext cx="5985081" cy="4288628"/>
           </a:xfrm>
         </p:spPr>
         <p:txBody>
@@ -4241,6 +4744,17 @@
             <a:r>
               <a:rPr lang="en-US" dirty="0"/>
               <a:t>The collection of all words is the vocabulary. </a:t>
+            </a:r>
+          </a:p>
+          <a:p>
+            <a:pPr>
+              <a:lnSpc>
+                <a:spcPct val="110000"/>
+              </a:lnSpc>
+            </a:pPr>
+            <a:r>
+              <a:rPr lang="en-US" dirty="0"/>
+              <a:t>This creates a feature set we can use. We need some version of this step, though the details vary. </a:t>
             </a:r>
           </a:p>
         </p:txBody>
@@ -4304,7 +4818,7 @@
 </p:sld>
 </file>
 
-<file path=ppt/slides/slide5.xml><?xml version="1.0" encoding="utf-8"?>
+<file path=ppt/slides/slide15.xml><?xml version="1.0" encoding="utf-8"?>
 <p:sld xmlns:a="http://schemas.openxmlformats.org/drawingml/2006/main" xmlns:r="http://schemas.openxmlformats.org/officeDocument/2006/relationships" xmlns:p="http://schemas.openxmlformats.org/presentationml/2006/main">
   <p:cSld>
     <p:spTree>
@@ -4326,6 +4840,179 @@
           <p:cNvPr id="2" name="Title 1">
             <a:extLst>
               <a:ext uri="{FF2B5EF4-FFF2-40B4-BE49-F238E27FC236}">
+                <a16:creationId xmlns:a16="http://schemas.microsoft.com/office/drawing/2014/main" id="{BFA2BB5C-7DAE-940C-D865-4B1FA6F57D0D}"/>
+              </a:ext>
+            </a:extLst>
+          </p:cNvPr>
+          <p:cNvSpPr>
+            <a:spLocks noGrp="1"/>
+          </p:cNvSpPr>
+          <p:nvPr>
+            <p:ph type="title"/>
+          </p:nvPr>
+        </p:nvSpPr>
+        <p:spPr/>
+        <p:txBody>
+          <a:bodyPr/>
+          <a:lstStyle/>
+          <a:p>
+            <a:r>
+              <a:rPr lang="en-US" dirty="0"/>
+              <a:t>Vectors to predictions</a:t>
+            </a:r>
+          </a:p>
+        </p:txBody>
+      </p:sp>
+      <p:sp>
+        <p:nvSpPr>
+          <p:cNvPr id="3" name="Content Placeholder 2">
+            <a:extLst>
+              <a:ext uri="{FF2B5EF4-FFF2-40B4-BE49-F238E27FC236}">
+                <a16:creationId xmlns:a16="http://schemas.microsoft.com/office/drawing/2014/main" id="{5BB4EA0C-F77C-5361-6CDD-7B6A703707C7}"/>
+              </a:ext>
+            </a:extLst>
+          </p:cNvPr>
+          <p:cNvSpPr>
+            <a:spLocks noGrp="1"/>
+          </p:cNvSpPr>
+          <p:nvPr>
+            <p:ph idx="1"/>
+          </p:nvPr>
+        </p:nvSpPr>
+        <p:spPr/>
+        <p:txBody>
+          <a:bodyPr/>
+          <a:lstStyle/>
+          <a:p>
+            <a:r>
+              <a:rPr lang="en-US" dirty="0"/>
+              <a:t>In this case, our data setup is as follows:</a:t>
+            </a:r>
+          </a:p>
+          <a:p>
+            <a:pPr lvl="1"/>
+            <a:r>
+              <a:rPr lang="en-US" dirty="0"/>
+              <a:t>Records – each statement is one record. </a:t>
+            </a:r>
+          </a:p>
+          <a:p>
+            <a:pPr lvl="1"/>
+            <a:r>
+              <a:rPr lang="en-US" dirty="0"/>
+              <a:t>Features – each token (~word) is one feature. </a:t>
+            </a:r>
+          </a:p>
+          <a:p>
+            <a:pPr lvl="1"/>
+            <a:r>
+              <a:rPr lang="en-US" dirty="0"/>
+              <a:t>Feature values – each value is the number of occurrences. </a:t>
+            </a:r>
+          </a:p>
+          <a:p>
+            <a:pPr lvl="1"/>
+            <a:r>
+              <a:rPr lang="en-US" dirty="0"/>
+              <a:t>Target – we haven’t specified it, probably something like sentiment (positive vs. negative). </a:t>
+            </a:r>
+          </a:p>
+          <a:p>
+            <a:r>
+              <a:rPr lang="en-US" dirty="0"/>
+              <a:t>This table is roughly one “</a:t>
+            </a:r>
+            <a:r>
+              <a:rPr lang="en-US" dirty="0" err="1"/>
+              <a:t>X_train</a:t>
+            </a:r>
+            <a:r>
+              <a:rPr lang="en-US" dirty="0"/>
+              <a:t>”. </a:t>
+            </a:r>
+          </a:p>
+        </p:txBody>
+      </p:sp>
+      <p:pic>
+        <p:nvPicPr>
+          <p:cNvPr id="4" name="Picture 2" descr="Spam Filtering Using Bag-of-Words | by Aditi Mukerjee | The Startup | Medium">
+            <a:extLst>
+              <a:ext uri="{FF2B5EF4-FFF2-40B4-BE49-F238E27FC236}">
+                <a16:creationId xmlns:a16="http://schemas.microsoft.com/office/drawing/2014/main" id="{677F9E47-A4C7-6E51-EC3A-0909232D6691}"/>
+              </a:ext>
+            </a:extLst>
+          </p:cNvPr>
+          <p:cNvPicPr>
+            <a:picLocks noChangeAspect="1" noChangeArrowheads="1"/>
+          </p:cNvPicPr>
+          <p:nvPr/>
+        </p:nvPicPr>
+        <p:blipFill rotWithShape="1">
+          <a:blip r:embed="rId2">
+            <a:extLst>
+              <a:ext uri="{28A0092B-C50C-407E-A947-70E740481C1C}">
+                <a14:useLocalDpi xmlns:a14="http://schemas.microsoft.com/office/drawing/2010/main" val="0"/>
+              </a:ext>
+            </a:extLst>
+          </a:blip>
+          <a:srcRect l="43765"/>
+          <a:stretch/>
+        </p:blipFill>
+        <p:spPr bwMode="auto">
+          <a:xfrm>
+            <a:off x="6096000" y="4154623"/>
+            <a:ext cx="3416300" cy="2703377"/>
+          </a:xfrm>
+          <a:prstGeom prst="rect">
+            <a:avLst/>
+          </a:prstGeom>
+          <a:noFill/>
+          <a:extLst>
+            <a:ext uri="{909E8E84-426E-40DD-AFC4-6F175D3DCCD1}">
+              <a14:hiddenFill xmlns:a14="http://schemas.microsoft.com/office/drawing/2010/main">
+                <a:solidFill>
+                  <a:srgbClr val="FFFFFF"/>
+                </a:solidFill>
+              </a14:hiddenFill>
+            </a:ext>
+          </a:extLst>
+        </p:spPr>
+      </p:pic>
+    </p:spTree>
+    <p:extLst>
+      <p:ext uri="{BB962C8B-B14F-4D97-AF65-F5344CB8AC3E}">
+        <p14:creationId xmlns:p14="http://schemas.microsoft.com/office/powerpoint/2010/main" val="488655161"/>
+      </p:ext>
+    </p:extLst>
+  </p:cSld>
+  <p:clrMapOvr>
+    <a:masterClrMapping/>
+  </p:clrMapOvr>
+</p:sld>
+</file>
+
+<file path=ppt/slides/slide16.xml><?xml version="1.0" encoding="utf-8"?>
+<p:sld xmlns:a="http://schemas.openxmlformats.org/drawingml/2006/main" xmlns:r="http://schemas.openxmlformats.org/officeDocument/2006/relationships" xmlns:p="http://schemas.openxmlformats.org/presentationml/2006/main">
+  <p:cSld>
+    <p:spTree>
+      <p:nvGrpSpPr>
+        <p:cNvPr id="1" name=""/>
+        <p:cNvGrpSpPr/>
+        <p:nvPr/>
+      </p:nvGrpSpPr>
+      <p:grpSpPr>
+        <a:xfrm>
+          <a:off x="0" y="0"/>
+          <a:ext cx="0" cy="0"/>
+          <a:chOff x="0" y="0"/>
+          <a:chExt cx="0" cy="0"/>
+        </a:xfrm>
+      </p:grpSpPr>
+      <p:sp>
+        <p:nvSpPr>
+          <p:cNvPr id="2" name="Title 1">
+            <a:extLst>
+              <a:ext uri="{FF2B5EF4-FFF2-40B4-BE49-F238E27FC236}">
                 <a16:creationId xmlns:a16="http://schemas.microsoft.com/office/drawing/2014/main" id="{C1E028F1-4DD4-804E-B3E0-939A24346B4F}"/>
               </a:ext>
             </a:extLst>
@@ -4365,7 +5052,12 @@
             <p:ph idx="1"/>
           </p:nvPr>
         </p:nvSpPr>
-        <p:spPr/>
+        <p:spPr>
+          <a:xfrm>
+            <a:off x="1451579" y="1853754"/>
+            <a:ext cx="9603275" cy="4199727"/>
+          </a:xfrm>
+        </p:spPr>
         <p:txBody>
           <a:bodyPr/>
           <a:lstStyle/>
@@ -4391,6 +5083,12 @@
             <a:r>
               <a:rPr lang="en-CA" dirty="0"/>
               <a:t>Goal is to reduce weight of rare words (not frequent enough to establish a pattern) and very frequent words (so ubiquitous they don’t help discriminate). </a:t>
+            </a:r>
+          </a:p>
+          <a:p>
+            <a:r>
+              <a:rPr lang="en-CA" dirty="0"/>
+              <a:t>The values we use to predict are (hopefully) a measure of what determines the meaning of a statement. </a:t>
             </a:r>
           </a:p>
           <a:p>
@@ -4411,7 +5109,7 @@
 </p:sld>
 </file>
 
-<file path=ppt/slides/slide6.xml><?xml version="1.0" encoding="utf-8"?>
+<file path=ppt/slides/slide17.xml><?xml version="1.0" encoding="utf-8"?>
 <p:sld xmlns:a="http://schemas.openxmlformats.org/drawingml/2006/main" xmlns:r="http://schemas.openxmlformats.org/officeDocument/2006/relationships" xmlns:p="http://schemas.openxmlformats.org/presentationml/2006/main">
   <p:cSld>
     <p:spTree>
@@ -4538,6 +5236,2346 @@
 </p:sld>
 </file>
 
+<file path=ppt/slides/slide18.xml><?xml version="1.0" encoding="utf-8"?>
+<p:sld xmlns:a="http://schemas.openxmlformats.org/drawingml/2006/main" xmlns:r="http://schemas.openxmlformats.org/officeDocument/2006/relationships" xmlns:p="http://schemas.openxmlformats.org/presentationml/2006/main">
+  <p:cSld>
+    <p:spTree>
+      <p:nvGrpSpPr>
+        <p:cNvPr id="1" name=""/>
+        <p:cNvGrpSpPr/>
+        <p:nvPr/>
+      </p:nvGrpSpPr>
+      <p:grpSpPr>
+        <a:xfrm>
+          <a:off x="0" y="0"/>
+          <a:ext cx="0" cy="0"/>
+          <a:chOff x="0" y="0"/>
+          <a:chExt cx="0" cy="0"/>
+        </a:xfrm>
+      </p:grpSpPr>
+      <p:sp>
+        <p:nvSpPr>
+          <p:cNvPr id="2" name="Title 1">
+            <a:extLst>
+              <a:ext uri="{FF2B5EF4-FFF2-40B4-BE49-F238E27FC236}">
+                <a16:creationId xmlns:a16="http://schemas.microsoft.com/office/drawing/2014/main" id="{77B951F7-C3DD-E492-77BE-3799453D6512}"/>
+              </a:ext>
+            </a:extLst>
+          </p:cNvPr>
+          <p:cNvSpPr>
+            <a:spLocks noGrp="1"/>
+          </p:cNvSpPr>
+          <p:nvPr>
+            <p:ph type="title"/>
+          </p:nvPr>
+        </p:nvSpPr>
+        <p:spPr/>
+        <p:txBody>
+          <a:bodyPr/>
+          <a:lstStyle/>
+          <a:p>
+            <a:r>
+              <a:rPr lang="en-US" dirty="0"/>
+              <a:t>TF-IDF Example</a:t>
+            </a:r>
+          </a:p>
+        </p:txBody>
+      </p:sp>
+      <p:sp>
+        <p:nvSpPr>
+          <p:cNvPr id="3" name="Content Placeholder 2">
+            <a:extLst>
+              <a:ext uri="{FF2B5EF4-FFF2-40B4-BE49-F238E27FC236}">
+                <a16:creationId xmlns:a16="http://schemas.microsoft.com/office/drawing/2014/main" id="{69105CAB-D34E-B37D-E741-A14640FEC580}"/>
+              </a:ext>
+            </a:extLst>
+          </p:cNvPr>
+          <p:cNvSpPr>
+            <a:spLocks noGrp="1"/>
+          </p:cNvSpPr>
+          <p:nvPr>
+            <p:ph sz="half" idx="1"/>
+          </p:nvPr>
+        </p:nvSpPr>
+        <p:spPr/>
+        <p:txBody>
+          <a:bodyPr/>
+          <a:lstStyle/>
+          <a:p>
+            <a:r>
+              <a:rPr lang="en-US" dirty="0"/>
+              <a:t>Our Original Statements:</a:t>
+            </a:r>
+          </a:p>
+          <a:p>
+            <a:pPr lvl="1"/>
+            <a:r>
+              <a:rPr lang="en-US" dirty="0"/>
+              <a:t>d1​: "The sky is blue.</a:t>
+            </a:r>
+          </a:p>
+          <a:p>
+            <a:pPr lvl="1"/>
+            <a:r>
+              <a:rPr lang="en-US" dirty="0"/>
+              <a:t>d2​: "The sun is bright today."</a:t>
+            </a:r>
+          </a:p>
+          <a:p>
+            <a:pPr lvl="1"/>
+            <a:r>
+              <a:rPr lang="en-US" dirty="0"/>
+              <a:t>d3​: "The sun in the sky is bright."</a:t>
+            </a:r>
+          </a:p>
+          <a:p>
+            <a:pPr lvl="1"/>
+            <a:r>
+              <a:rPr lang="en-US" dirty="0"/>
+              <a:t>d4​: "We can see the shining sun, the bright sun."</a:t>
+            </a:r>
+            <a:br>
+              <a:rPr lang="en-US" dirty="0"/>
+            </a:br>
+            <a:endParaRPr lang="en-US" dirty="0"/>
+          </a:p>
+        </p:txBody>
+      </p:sp>
+      <p:sp>
+        <p:nvSpPr>
+          <p:cNvPr id="4" name="Content Placeholder 3">
+            <a:extLst>
+              <a:ext uri="{FF2B5EF4-FFF2-40B4-BE49-F238E27FC236}">
+                <a16:creationId xmlns:a16="http://schemas.microsoft.com/office/drawing/2014/main" id="{AA4E1861-9740-1755-D3FE-8BFD94BACDBA}"/>
+              </a:ext>
+            </a:extLst>
+          </p:cNvPr>
+          <p:cNvSpPr>
+            <a:spLocks noGrp="1"/>
+          </p:cNvSpPr>
+          <p:nvPr>
+            <p:ph sz="half" idx="2"/>
+          </p:nvPr>
+        </p:nvSpPr>
+        <p:spPr/>
+        <p:txBody>
+          <a:bodyPr/>
+          <a:lstStyle/>
+          <a:p>
+            <a:r>
+              <a:rPr lang="en-US" dirty="0"/>
+              <a:t>After </a:t>
+            </a:r>
+            <a:r>
+              <a:rPr lang="en-US" dirty="0" err="1"/>
+              <a:t>stopword</a:t>
+            </a:r>
+            <a:r>
+              <a:rPr lang="en-US" dirty="0"/>
+              <a:t> filter:</a:t>
+            </a:r>
+          </a:p>
+          <a:p>
+            <a:pPr lvl="1"/>
+            <a:r>
+              <a:rPr lang="en-US" dirty="0"/>
+              <a:t>d1​: "sky blue</a:t>
+            </a:r>
+          </a:p>
+          <a:p>
+            <a:pPr lvl="1"/>
+            <a:r>
+              <a:rPr lang="en-US" dirty="0"/>
+              <a:t>d2​: "sun bright today"</a:t>
+            </a:r>
+          </a:p>
+          <a:p>
+            <a:pPr lvl="1"/>
+            <a:r>
+              <a:rPr lang="en-US" dirty="0"/>
+              <a:t>d3​: "sun sky bright"</a:t>
+            </a:r>
+          </a:p>
+          <a:p>
+            <a:pPr lvl="1"/>
+            <a:r>
+              <a:rPr lang="en-US" dirty="0"/>
+              <a:t>d4​: "can see shining sun bright sun"</a:t>
+            </a:r>
+          </a:p>
+          <a:p>
+            <a:pPr lvl="1"/>
+            <a:endParaRPr lang="en-US" dirty="0"/>
+          </a:p>
+        </p:txBody>
+      </p:sp>
+    </p:spTree>
+    <p:extLst>
+      <p:ext uri="{BB962C8B-B14F-4D97-AF65-F5344CB8AC3E}">
+        <p14:creationId xmlns:p14="http://schemas.microsoft.com/office/powerpoint/2010/main" val="2266331931"/>
+      </p:ext>
+    </p:extLst>
+  </p:cSld>
+  <p:clrMapOvr>
+    <a:masterClrMapping/>
+  </p:clrMapOvr>
+</p:sld>
+</file>
+
+<file path=ppt/slides/slide19.xml><?xml version="1.0" encoding="utf-8"?>
+<p:sld xmlns:a="http://schemas.openxmlformats.org/drawingml/2006/main" xmlns:r="http://schemas.openxmlformats.org/officeDocument/2006/relationships" xmlns:p="http://schemas.openxmlformats.org/presentationml/2006/main">
+  <p:cSld>
+    <p:spTree>
+      <p:nvGrpSpPr>
+        <p:cNvPr id="1" name=""/>
+        <p:cNvGrpSpPr/>
+        <p:nvPr/>
+      </p:nvGrpSpPr>
+      <p:grpSpPr>
+        <a:xfrm>
+          <a:off x="0" y="0"/>
+          <a:ext cx="0" cy="0"/>
+          <a:chOff x="0" y="0"/>
+          <a:chExt cx="0" cy="0"/>
+        </a:xfrm>
+      </p:grpSpPr>
+      <p:sp>
+        <p:nvSpPr>
+          <p:cNvPr id="5" name="Title 4">
+            <a:extLst>
+              <a:ext uri="{FF2B5EF4-FFF2-40B4-BE49-F238E27FC236}">
+                <a16:creationId xmlns:a16="http://schemas.microsoft.com/office/drawing/2014/main" id="{76C1CFB5-F649-61F6-59FF-A5BF5D27F090}"/>
+              </a:ext>
+            </a:extLst>
+          </p:cNvPr>
+          <p:cNvSpPr>
+            <a:spLocks noGrp="1"/>
+          </p:cNvSpPr>
+          <p:nvPr>
+            <p:ph type="title"/>
+          </p:nvPr>
+        </p:nvSpPr>
+        <p:spPr/>
+        <p:txBody>
+          <a:bodyPr/>
+          <a:lstStyle/>
+          <a:p>
+            <a:r>
+              <a:rPr lang="en-CA" b="0" i="0" dirty="0">
+                <a:solidFill>
+                  <a:srgbClr val="333333"/>
+                </a:solidFill>
+                <a:effectLst/>
+                <a:latin typeface="Helvetica Neue" panose="02000503000000020004" pitchFamily="2" charset="0"/>
+              </a:rPr>
+              <a:t>Compute TF and Normalize</a:t>
+            </a:r>
+            <a:endParaRPr lang="en-US" dirty="0"/>
+          </a:p>
+        </p:txBody>
+      </p:sp>
+      <p:sp>
+        <p:nvSpPr>
+          <p:cNvPr id="6" name="Content Placeholder 5">
+            <a:extLst>
+              <a:ext uri="{FF2B5EF4-FFF2-40B4-BE49-F238E27FC236}">
+                <a16:creationId xmlns:a16="http://schemas.microsoft.com/office/drawing/2014/main" id="{6FFEEA4A-D4CF-D778-A837-60C5FA567337}"/>
+              </a:ext>
+            </a:extLst>
+          </p:cNvPr>
+          <p:cNvSpPr>
+            <a:spLocks noGrp="1"/>
+          </p:cNvSpPr>
+          <p:nvPr>
+            <p:ph idx="1"/>
+          </p:nvPr>
+        </p:nvSpPr>
+        <p:spPr/>
+        <p:txBody>
+          <a:bodyPr/>
+          <a:lstStyle/>
+          <a:p>
+            <a:endParaRPr lang="en-US"/>
+          </a:p>
+        </p:txBody>
+      </p:sp>
+      <p:pic>
+        <p:nvPicPr>
+          <p:cNvPr id="1026" name="Picture 2">
+            <a:extLst>
+              <a:ext uri="{FF2B5EF4-FFF2-40B4-BE49-F238E27FC236}">
+                <a16:creationId xmlns:a16="http://schemas.microsoft.com/office/drawing/2014/main" id="{21175EE9-485F-2125-A989-174ED5A891FF}"/>
+              </a:ext>
+            </a:extLst>
+          </p:cNvPr>
+          <p:cNvPicPr>
+            <a:picLocks noChangeAspect="1" noChangeArrowheads="1"/>
+          </p:cNvPicPr>
+          <p:nvPr/>
+        </p:nvPicPr>
+        <p:blipFill>
+          <a:blip r:embed="rId2">
+            <a:extLst>
+              <a:ext uri="{28A0092B-C50C-407E-A947-70E740481C1C}">
+                <a14:useLocalDpi xmlns:a14="http://schemas.microsoft.com/office/drawing/2010/main" val="0"/>
+              </a:ext>
+            </a:extLst>
+          </a:blip>
+          <a:srcRect/>
+          <a:stretch>
+            <a:fillRect/>
+          </a:stretch>
+        </p:blipFill>
+        <p:spPr bwMode="auto">
+          <a:xfrm>
+            <a:off x="0" y="2015732"/>
+            <a:ext cx="12192000" cy="3921125"/>
+          </a:xfrm>
+          <a:prstGeom prst="rect">
+            <a:avLst/>
+          </a:prstGeom>
+          <a:noFill/>
+          <a:extLst>
+            <a:ext uri="{909E8E84-426E-40DD-AFC4-6F175D3DCCD1}">
+              <a14:hiddenFill xmlns:a14="http://schemas.microsoft.com/office/drawing/2010/main">
+                <a:solidFill>
+                  <a:srgbClr val="FFFFFF"/>
+                </a:solidFill>
+              </a14:hiddenFill>
+            </a:ext>
+          </a:extLst>
+        </p:spPr>
+      </p:pic>
+    </p:spTree>
+    <p:extLst>
+      <p:ext uri="{BB962C8B-B14F-4D97-AF65-F5344CB8AC3E}">
+        <p14:creationId xmlns:p14="http://schemas.microsoft.com/office/powerpoint/2010/main" val="2596730000"/>
+      </p:ext>
+    </p:extLst>
+  </p:cSld>
+  <p:clrMapOvr>
+    <a:masterClrMapping/>
+  </p:clrMapOvr>
+</p:sld>
+</file>
+
+<file path=ppt/slides/slide2.xml><?xml version="1.0" encoding="utf-8"?>
+<p:sld xmlns:a="http://schemas.openxmlformats.org/drawingml/2006/main" xmlns:r="http://schemas.openxmlformats.org/officeDocument/2006/relationships" xmlns:p="http://schemas.openxmlformats.org/presentationml/2006/main">
+  <p:cSld>
+    <p:spTree>
+      <p:nvGrpSpPr>
+        <p:cNvPr id="1" name=""/>
+        <p:cNvGrpSpPr/>
+        <p:nvPr/>
+      </p:nvGrpSpPr>
+      <p:grpSpPr>
+        <a:xfrm>
+          <a:off x="0" y="0"/>
+          <a:ext cx="0" cy="0"/>
+          <a:chOff x="0" y="0"/>
+          <a:chExt cx="0" cy="0"/>
+        </a:xfrm>
+      </p:grpSpPr>
+      <p:sp>
+        <p:nvSpPr>
+          <p:cNvPr id="2" name="Title 1">
+            <a:extLst>
+              <a:ext uri="{FF2B5EF4-FFF2-40B4-BE49-F238E27FC236}">
+                <a16:creationId xmlns:a16="http://schemas.microsoft.com/office/drawing/2014/main" id="{0C4E5A73-634F-B610-6413-6E92E9268FBE}"/>
+              </a:ext>
+            </a:extLst>
+          </p:cNvPr>
+          <p:cNvSpPr>
+            <a:spLocks noGrp="1"/>
+          </p:cNvSpPr>
+          <p:nvPr>
+            <p:ph type="title"/>
+          </p:nvPr>
+        </p:nvSpPr>
+        <p:spPr/>
+        <p:txBody>
+          <a:bodyPr/>
+          <a:lstStyle/>
+          <a:p>
+            <a:r>
+              <a:rPr lang="en-US" dirty="0"/>
+              <a:t>Variable Scaling</a:t>
+            </a:r>
+          </a:p>
+        </p:txBody>
+      </p:sp>
+      <p:sp>
+        <p:nvSpPr>
+          <p:cNvPr id="3" name="Content Placeholder 2">
+            <a:extLst>
+              <a:ext uri="{FF2B5EF4-FFF2-40B4-BE49-F238E27FC236}">
+                <a16:creationId xmlns:a16="http://schemas.microsoft.com/office/drawing/2014/main" id="{726AB9FF-24E2-5811-8E54-8BB14BDB3E30}"/>
+              </a:ext>
+            </a:extLst>
+          </p:cNvPr>
+          <p:cNvSpPr>
+            <a:spLocks noGrp="1"/>
+          </p:cNvSpPr>
+          <p:nvPr>
+            <p:ph idx="1"/>
+          </p:nvPr>
+        </p:nvSpPr>
+        <p:spPr>
+          <a:xfrm>
+            <a:off x="1451579" y="1853754"/>
+            <a:ext cx="9603275" cy="4119663"/>
+          </a:xfrm>
+        </p:spPr>
+        <p:txBody>
+          <a:bodyPr/>
+          <a:lstStyle/>
+          <a:p>
+            <a:r>
+              <a:rPr lang="en-US" dirty="0"/>
+              <a:t>We got a question at the end of last week on scaling, I’ll answer in a less mumble-y way. </a:t>
+            </a:r>
+          </a:p>
+          <a:p>
+            <a:r>
+              <a:rPr lang="en-US" dirty="0"/>
+              <a:t>We generally need to rescale numeric variables before modelling. </a:t>
+            </a:r>
+          </a:p>
+          <a:p>
+            <a:r>
+              <a:rPr lang="en-US" dirty="0"/>
+              <a:t>Having feature values with vastly different ranges can impact training. </a:t>
+            </a:r>
+          </a:p>
+          <a:p>
+            <a:pPr lvl="1"/>
+            <a:r>
+              <a:rPr lang="en-US" dirty="0"/>
+              <a:t>Loss functions are generally based on distance, like MSE. </a:t>
+            </a:r>
+          </a:p>
+          <a:p>
+            <a:pPr lvl="1"/>
+            <a:r>
+              <a:rPr lang="en-US" dirty="0"/>
+              <a:t>Wildly different distances can cause problems with convergence. (The plane with a ball illustration is compressed and stretched to extreme extends, and the gradients are off). </a:t>
+            </a:r>
+          </a:p>
+          <a:p>
+            <a:pPr lvl="1"/>
+            <a:r>
+              <a:rPr lang="en-US" dirty="0"/>
+              <a:t>In linear models, each term is a weight * feature. If one feature is orders of magnitude larger, that can skew impact of features on the model output. </a:t>
+            </a:r>
+          </a:p>
+          <a:p>
+            <a:r>
+              <a:rPr lang="en-US" dirty="0"/>
+              <a:t>Some algorithms are (can be) scaling insensitive (tree), but we pretty much always rescale. </a:t>
+            </a:r>
+          </a:p>
+        </p:txBody>
+      </p:sp>
+    </p:spTree>
+    <p:extLst>
+      <p:ext uri="{BB962C8B-B14F-4D97-AF65-F5344CB8AC3E}">
+        <p14:creationId xmlns:p14="http://schemas.microsoft.com/office/powerpoint/2010/main" val="2329013379"/>
+      </p:ext>
+    </p:extLst>
+  </p:cSld>
+  <p:clrMapOvr>
+    <a:masterClrMapping/>
+  </p:clrMapOvr>
+</p:sld>
+</file>
+
+<file path=ppt/slides/slide20.xml><?xml version="1.0" encoding="utf-8"?>
+<p:sld xmlns:a="http://schemas.openxmlformats.org/drawingml/2006/main" xmlns:r="http://schemas.openxmlformats.org/officeDocument/2006/relationships" xmlns:p="http://schemas.openxmlformats.org/presentationml/2006/main">
+  <p:cSld>
+    <p:spTree>
+      <p:nvGrpSpPr>
+        <p:cNvPr id="1" name=""/>
+        <p:cNvGrpSpPr/>
+        <p:nvPr/>
+      </p:nvGrpSpPr>
+      <p:grpSpPr>
+        <a:xfrm>
+          <a:off x="0" y="0"/>
+          <a:ext cx="0" cy="0"/>
+          <a:chOff x="0" y="0"/>
+          <a:chExt cx="0" cy="0"/>
+        </a:xfrm>
+      </p:grpSpPr>
+      <p:sp>
+        <p:nvSpPr>
+          <p:cNvPr id="2" name="Title 1">
+            <a:extLst>
+              <a:ext uri="{FF2B5EF4-FFF2-40B4-BE49-F238E27FC236}">
+                <a16:creationId xmlns:a16="http://schemas.microsoft.com/office/drawing/2014/main" id="{89203984-3945-20B5-909C-8E2F319A3643}"/>
+              </a:ext>
+            </a:extLst>
+          </p:cNvPr>
+          <p:cNvSpPr>
+            <a:spLocks noGrp="1"/>
+          </p:cNvSpPr>
+          <p:nvPr>
+            <p:ph type="title"/>
+          </p:nvPr>
+        </p:nvSpPr>
+        <p:spPr/>
+        <p:txBody>
+          <a:bodyPr/>
+          <a:lstStyle/>
+          <a:p>
+            <a:r>
+              <a:rPr lang="en-US" dirty="0"/>
+              <a:t>Compute IDF – Frequency of Terms</a:t>
+            </a:r>
+          </a:p>
+        </p:txBody>
+      </p:sp>
+      <p:sp>
+        <p:nvSpPr>
+          <p:cNvPr id="3" name="Content Placeholder 2">
+            <a:extLst>
+              <a:ext uri="{FF2B5EF4-FFF2-40B4-BE49-F238E27FC236}">
+                <a16:creationId xmlns:a16="http://schemas.microsoft.com/office/drawing/2014/main" id="{8D6B256F-1089-36D7-3DF2-8729BAC78FE0}"/>
+              </a:ext>
+            </a:extLst>
+          </p:cNvPr>
+          <p:cNvSpPr>
+            <a:spLocks noGrp="1"/>
+          </p:cNvSpPr>
+          <p:nvPr>
+            <p:ph idx="1"/>
+          </p:nvPr>
+        </p:nvSpPr>
+        <p:spPr/>
+        <p:txBody>
+          <a:bodyPr/>
+          <a:lstStyle/>
+          <a:p>
+            <a:endParaRPr lang="en-US"/>
+          </a:p>
+        </p:txBody>
+      </p:sp>
+      <p:pic>
+        <p:nvPicPr>
+          <p:cNvPr id="2050" name="Picture 2">
+            <a:extLst>
+              <a:ext uri="{FF2B5EF4-FFF2-40B4-BE49-F238E27FC236}">
+                <a16:creationId xmlns:a16="http://schemas.microsoft.com/office/drawing/2014/main" id="{AA59A515-BBF7-827B-8825-FF4865FA63A3}"/>
+              </a:ext>
+            </a:extLst>
+          </p:cNvPr>
+          <p:cNvPicPr>
+            <a:picLocks noChangeAspect="1" noChangeArrowheads="1"/>
+          </p:cNvPicPr>
+          <p:nvPr/>
+        </p:nvPicPr>
+        <p:blipFill>
+          <a:blip r:embed="rId2">
+            <a:extLst>
+              <a:ext uri="{28A0092B-C50C-407E-A947-70E740481C1C}">
+                <a14:useLocalDpi xmlns:a14="http://schemas.microsoft.com/office/drawing/2010/main" val="0"/>
+              </a:ext>
+            </a:extLst>
+          </a:blip>
+          <a:srcRect/>
+          <a:stretch>
+            <a:fillRect/>
+          </a:stretch>
+        </p:blipFill>
+        <p:spPr bwMode="auto">
+          <a:xfrm>
+            <a:off x="0" y="2107754"/>
+            <a:ext cx="12192000" cy="4268787"/>
+          </a:xfrm>
+          <a:prstGeom prst="rect">
+            <a:avLst/>
+          </a:prstGeom>
+          <a:noFill/>
+          <a:extLst>
+            <a:ext uri="{909E8E84-426E-40DD-AFC4-6F175D3DCCD1}">
+              <a14:hiddenFill xmlns:a14="http://schemas.microsoft.com/office/drawing/2010/main">
+                <a:solidFill>
+                  <a:srgbClr val="FFFFFF"/>
+                </a:solidFill>
+              </a14:hiddenFill>
+            </a:ext>
+          </a:extLst>
+        </p:spPr>
+      </p:pic>
+    </p:spTree>
+    <p:extLst>
+      <p:ext uri="{BB962C8B-B14F-4D97-AF65-F5344CB8AC3E}">
+        <p14:creationId xmlns:p14="http://schemas.microsoft.com/office/powerpoint/2010/main" val="1078165264"/>
+      </p:ext>
+    </p:extLst>
+  </p:cSld>
+  <p:clrMapOvr>
+    <a:masterClrMapping/>
+  </p:clrMapOvr>
+</p:sld>
+</file>
+
+<file path=ppt/slides/slide21.xml><?xml version="1.0" encoding="utf-8"?>
+<p:sld xmlns:a="http://schemas.openxmlformats.org/drawingml/2006/main" xmlns:r="http://schemas.openxmlformats.org/officeDocument/2006/relationships" xmlns:p="http://schemas.openxmlformats.org/presentationml/2006/main">
+  <p:cSld>
+    <p:spTree>
+      <p:nvGrpSpPr>
+        <p:cNvPr id="1" name=""/>
+        <p:cNvGrpSpPr/>
+        <p:nvPr/>
+      </p:nvGrpSpPr>
+      <p:grpSpPr>
+        <a:xfrm>
+          <a:off x="0" y="0"/>
+          <a:ext cx="0" cy="0"/>
+          <a:chOff x="0" y="0"/>
+          <a:chExt cx="0" cy="0"/>
+        </a:xfrm>
+      </p:grpSpPr>
+      <p:sp>
+        <p:nvSpPr>
+          <p:cNvPr id="2" name="Title 1">
+            <a:extLst>
+              <a:ext uri="{FF2B5EF4-FFF2-40B4-BE49-F238E27FC236}">
+                <a16:creationId xmlns:a16="http://schemas.microsoft.com/office/drawing/2014/main" id="{3A094843-12C2-7825-9515-7A73F001F9CB}"/>
+              </a:ext>
+            </a:extLst>
+          </p:cNvPr>
+          <p:cNvSpPr>
+            <a:spLocks noGrp="1"/>
+          </p:cNvSpPr>
+          <p:nvPr>
+            <p:ph type="title"/>
+          </p:nvPr>
+        </p:nvSpPr>
+        <p:spPr>
+          <a:xfrm>
+            <a:off x="1451579" y="165101"/>
+            <a:ext cx="9603275" cy="885824"/>
+          </a:xfrm>
+        </p:spPr>
+        <p:txBody>
+          <a:bodyPr/>
+          <a:lstStyle/>
+          <a:p>
+            <a:r>
+              <a:rPr lang="en-US" dirty="0"/>
+              <a:t>Compute TF-TDF by Multiplying</a:t>
+            </a:r>
+          </a:p>
+        </p:txBody>
+      </p:sp>
+      <p:sp>
+        <p:nvSpPr>
+          <p:cNvPr id="3" name="Content Placeholder 2">
+            <a:extLst>
+              <a:ext uri="{FF2B5EF4-FFF2-40B4-BE49-F238E27FC236}">
+                <a16:creationId xmlns:a16="http://schemas.microsoft.com/office/drawing/2014/main" id="{FE18106C-B5F6-0ED1-04F6-6EE519F7A251}"/>
+              </a:ext>
+            </a:extLst>
+          </p:cNvPr>
+          <p:cNvSpPr>
+            <a:spLocks noGrp="1"/>
+          </p:cNvSpPr>
+          <p:nvPr>
+            <p:ph idx="1"/>
+          </p:nvPr>
+        </p:nvSpPr>
+        <p:spPr/>
+        <p:txBody>
+          <a:bodyPr/>
+          <a:lstStyle/>
+          <a:p>
+            <a:endParaRPr lang="en-US"/>
+          </a:p>
+        </p:txBody>
+      </p:sp>
+      <p:pic>
+        <p:nvPicPr>
+          <p:cNvPr id="3074" name="Picture 2">
+            <a:extLst>
+              <a:ext uri="{FF2B5EF4-FFF2-40B4-BE49-F238E27FC236}">
+                <a16:creationId xmlns:a16="http://schemas.microsoft.com/office/drawing/2014/main" id="{390F0326-BBF6-23B4-7EFE-081B3BE69E3F}"/>
+              </a:ext>
+            </a:extLst>
+          </p:cNvPr>
+          <p:cNvPicPr>
+            <a:picLocks noChangeAspect="1" noChangeArrowheads="1"/>
+          </p:cNvPicPr>
+          <p:nvPr/>
+        </p:nvPicPr>
+        <p:blipFill>
+          <a:blip r:embed="rId2">
+            <a:extLst>
+              <a:ext uri="{28A0092B-C50C-407E-A947-70E740481C1C}">
+                <a14:useLocalDpi xmlns:a14="http://schemas.microsoft.com/office/drawing/2010/main" val="0"/>
+              </a:ext>
+            </a:extLst>
+          </a:blip>
+          <a:srcRect/>
+          <a:stretch>
+            <a:fillRect/>
+          </a:stretch>
+        </p:blipFill>
+        <p:spPr bwMode="auto">
+          <a:xfrm>
+            <a:off x="0" y="1050925"/>
+            <a:ext cx="12192000" cy="5807075"/>
+          </a:xfrm>
+          <a:prstGeom prst="rect">
+            <a:avLst/>
+          </a:prstGeom>
+          <a:noFill/>
+          <a:extLst>
+            <a:ext uri="{909E8E84-426E-40DD-AFC4-6F175D3DCCD1}">
+              <a14:hiddenFill xmlns:a14="http://schemas.microsoft.com/office/drawing/2010/main">
+                <a:solidFill>
+                  <a:srgbClr val="FFFFFF"/>
+                </a:solidFill>
+              </a14:hiddenFill>
+            </a:ext>
+          </a:extLst>
+        </p:spPr>
+      </p:pic>
+    </p:spTree>
+    <p:extLst>
+      <p:ext uri="{BB962C8B-B14F-4D97-AF65-F5344CB8AC3E}">
+        <p14:creationId xmlns:p14="http://schemas.microsoft.com/office/powerpoint/2010/main" val="2744859807"/>
+      </p:ext>
+    </p:extLst>
+  </p:cSld>
+  <p:clrMapOvr>
+    <a:masterClrMapping/>
+  </p:clrMapOvr>
+</p:sld>
+</file>
+
+<file path=ppt/slides/slide22.xml><?xml version="1.0" encoding="utf-8"?>
+<p:sld xmlns:a="http://schemas.openxmlformats.org/drawingml/2006/main" xmlns:r="http://schemas.openxmlformats.org/officeDocument/2006/relationships" xmlns:p="http://schemas.openxmlformats.org/presentationml/2006/main">
+  <p:cSld>
+    <p:spTree>
+      <p:nvGrpSpPr>
+        <p:cNvPr id="1" name=""/>
+        <p:cNvGrpSpPr/>
+        <p:nvPr/>
+      </p:nvGrpSpPr>
+      <p:grpSpPr>
+        <a:xfrm>
+          <a:off x="0" y="0"/>
+          <a:ext cx="0" cy="0"/>
+          <a:chOff x="0" y="0"/>
+          <a:chExt cx="0" cy="0"/>
+        </a:xfrm>
+      </p:grpSpPr>
+      <p:sp>
+        <p:nvSpPr>
+          <p:cNvPr id="2" name="Title 1">
+            <a:extLst>
+              <a:ext uri="{FF2B5EF4-FFF2-40B4-BE49-F238E27FC236}">
+                <a16:creationId xmlns:a16="http://schemas.microsoft.com/office/drawing/2014/main" id="{013A4D92-F1B9-58A8-D431-134C17634868}"/>
+              </a:ext>
+            </a:extLst>
+          </p:cNvPr>
+          <p:cNvSpPr>
+            <a:spLocks noGrp="1"/>
+          </p:cNvSpPr>
+          <p:nvPr>
+            <p:ph type="title"/>
+          </p:nvPr>
+        </p:nvSpPr>
+        <p:spPr/>
+        <p:txBody>
+          <a:bodyPr/>
+          <a:lstStyle/>
+          <a:p>
+            <a:r>
+              <a:rPr lang="en-US" dirty="0"/>
+              <a:t>Result</a:t>
+            </a:r>
+          </a:p>
+        </p:txBody>
+      </p:sp>
+      <p:sp>
+        <p:nvSpPr>
+          <p:cNvPr id="3" name="Content Placeholder 2">
+            <a:extLst>
+              <a:ext uri="{FF2B5EF4-FFF2-40B4-BE49-F238E27FC236}">
+                <a16:creationId xmlns:a16="http://schemas.microsoft.com/office/drawing/2014/main" id="{55599615-D224-2102-B416-C2E578638447}"/>
+              </a:ext>
+            </a:extLst>
+          </p:cNvPr>
+          <p:cNvSpPr>
+            <a:spLocks noGrp="1"/>
+          </p:cNvSpPr>
+          <p:nvPr>
+            <p:ph idx="1"/>
+          </p:nvPr>
+        </p:nvSpPr>
+        <p:spPr/>
+        <p:txBody>
+          <a:bodyPr/>
+          <a:lstStyle/>
+          <a:p>
+            <a:r>
+              <a:rPr lang="en-US" dirty="0"/>
+              <a:t>We get a feature set that we can feed to our model. </a:t>
+            </a:r>
+          </a:p>
+          <a:p>
+            <a:r>
+              <a:rPr lang="en-US" dirty="0"/>
+              <a:t>Ideally, this is a better representation of meaning than the count. </a:t>
+            </a:r>
+          </a:p>
+          <a:p>
+            <a:r>
+              <a:rPr lang="en-US" dirty="0"/>
+              <a:t>In all cases we need some step that does this part. </a:t>
+            </a:r>
+          </a:p>
+          <a:p>
+            <a:pPr lvl="1"/>
+            <a:r>
+              <a:rPr lang="en-US" dirty="0"/>
+              <a:t>Translate raw text to some numerical value we can use. </a:t>
+            </a:r>
+          </a:p>
+          <a:p>
+            <a:pPr lvl="1"/>
+            <a:r>
+              <a:rPr lang="en-US" dirty="0"/>
+              <a:t>The quality of this representation matters for accuracy and can vary depending on the goal. </a:t>
+            </a:r>
+          </a:p>
+        </p:txBody>
+      </p:sp>
+    </p:spTree>
+    <p:extLst>
+      <p:ext uri="{BB962C8B-B14F-4D97-AF65-F5344CB8AC3E}">
+        <p14:creationId xmlns:p14="http://schemas.microsoft.com/office/powerpoint/2010/main" val="432831291"/>
+      </p:ext>
+    </p:extLst>
+  </p:cSld>
+  <p:clrMapOvr>
+    <a:masterClrMapping/>
+  </p:clrMapOvr>
+</p:sld>
+</file>
+
+<file path=ppt/slides/slide23.xml><?xml version="1.0" encoding="utf-8"?>
+<p:sld xmlns:a="http://schemas.openxmlformats.org/drawingml/2006/main" xmlns:r="http://schemas.openxmlformats.org/officeDocument/2006/relationships" xmlns:p="http://schemas.openxmlformats.org/presentationml/2006/main">
+  <p:cSld>
+    <p:spTree>
+      <p:nvGrpSpPr>
+        <p:cNvPr id="1" name=""/>
+        <p:cNvGrpSpPr/>
+        <p:nvPr/>
+      </p:nvGrpSpPr>
+      <p:grpSpPr>
+        <a:xfrm>
+          <a:off x="0" y="0"/>
+          <a:ext cx="0" cy="0"/>
+          <a:chOff x="0" y="0"/>
+          <a:chExt cx="0" cy="0"/>
+        </a:xfrm>
+      </p:grpSpPr>
+      <p:sp>
+        <p:nvSpPr>
+          <p:cNvPr id="2" name="Title 1">
+            <a:extLst>
+              <a:ext uri="{FF2B5EF4-FFF2-40B4-BE49-F238E27FC236}">
+                <a16:creationId xmlns:a16="http://schemas.microsoft.com/office/drawing/2014/main" id="{3257B2E1-C3F3-1A40-8531-1696128EBE97}"/>
+              </a:ext>
+            </a:extLst>
+          </p:cNvPr>
+          <p:cNvSpPr>
+            <a:spLocks noGrp="1"/>
+          </p:cNvSpPr>
+          <p:nvPr>
+            <p:ph type="title"/>
+          </p:nvPr>
+        </p:nvSpPr>
+        <p:spPr/>
+        <p:txBody>
+          <a:bodyPr/>
+          <a:lstStyle/>
+          <a:p>
+            <a:r>
+              <a:rPr lang="en-US" dirty="0"/>
+              <a:t>Stems and </a:t>
+            </a:r>
+            <a:r>
+              <a:rPr lang="en-US" dirty="0" err="1"/>
+              <a:t>Lemms</a:t>
+            </a:r>
+            <a:endParaRPr lang="en-US" dirty="0"/>
+          </a:p>
+        </p:txBody>
+      </p:sp>
+      <p:sp>
+        <p:nvSpPr>
+          <p:cNvPr id="3" name="Content Placeholder 2">
+            <a:extLst>
+              <a:ext uri="{FF2B5EF4-FFF2-40B4-BE49-F238E27FC236}">
+                <a16:creationId xmlns:a16="http://schemas.microsoft.com/office/drawing/2014/main" id="{1B1EAFB2-4FC9-7747-B7D7-3F4B27E0AD3E}"/>
+              </a:ext>
+            </a:extLst>
+          </p:cNvPr>
+          <p:cNvSpPr>
+            <a:spLocks noGrp="1"/>
+          </p:cNvSpPr>
+          <p:nvPr>
+            <p:ph idx="1"/>
+          </p:nvPr>
+        </p:nvSpPr>
+        <p:spPr>
+          <a:xfrm>
+            <a:off x="1451579" y="2015732"/>
+            <a:ext cx="9603275" cy="4037749"/>
+          </a:xfrm>
+        </p:spPr>
+        <p:txBody>
+          <a:bodyPr/>
+          <a:lstStyle/>
+          <a:p>
+            <a:r>
+              <a:rPr lang="en-US" dirty="0"/>
+              <a:t>Stemming and lemmatization both seek to trim words back to their “root”.</a:t>
+            </a:r>
+          </a:p>
+          <a:p>
+            <a:r>
+              <a:rPr lang="en-US" dirty="0"/>
+              <a:t>Stemming:</a:t>
+            </a:r>
+          </a:p>
+          <a:p>
+            <a:pPr lvl="1"/>
+            <a:r>
+              <a:rPr lang="en-US" dirty="0"/>
+              <a:t>More simple, just chops word down to root by removing prefix and suffix.</a:t>
+            </a:r>
+          </a:p>
+          <a:p>
+            <a:pPr lvl="1"/>
+            <a:r>
+              <a:rPr lang="en-US" dirty="0"/>
+              <a:t>E.g. “climbing” becomes “climb”.</a:t>
+            </a:r>
+          </a:p>
+          <a:p>
+            <a:r>
+              <a:rPr lang="en-US" dirty="0"/>
+              <a:t>Lemmatization:</a:t>
+            </a:r>
+          </a:p>
+          <a:p>
+            <a:pPr lvl="1"/>
+            <a:r>
+              <a:rPr lang="en-US" dirty="0"/>
+              <a:t>Lemmatization simplified words to their “lemma”, the “root meaning”.</a:t>
+            </a:r>
+          </a:p>
+          <a:p>
+            <a:pPr lvl="1"/>
+            <a:r>
+              <a:rPr lang="en-US" dirty="0"/>
+              <a:t>E.g. “better” becomes “good”.</a:t>
+            </a:r>
+          </a:p>
+          <a:p>
+            <a:r>
+              <a:rPr lang="en-US" dirty="0"/>
+              <a:t>Each of these can help our model understand text better:</a:t>
+            </a:r>
+          </a:p>
+          <a:p>
+            <a:pPr lvl="1"/>
+            <a:r>
+              <a:rPr lang="en-US" dirty="0"/>
+              <a:t>“I went climbing” has a similar meaning to “I did a climb”. </a:t>
+            </a:r>
+          </a:p>
+        </p:txBody>
+      </p:sp>
+    </p:spTree>
+    <p:extLst>
+      <p:ext uri="{BB962C8B-B14F-4D97-AF65-F5344CB8AC3E}">
+        <p14:creationId xmlns:p14="http://schemas.microsoft.com/office/powerpoint/2010/main" val="2786490206"/>
+      </p:ext>
+    </p:extLst>
+  </p:cSld>
+  <p:clrMapOvr>
+    <a:masterClrMapping/>
+  </p:clrMapOvr>
+</p:sld>
+</file>
+
+<file path=ppt/slides/slide24.xml><?xml version="1.0" encoding="utf-8"?>
+<p:sld xmlns:a="http://schemas.openxmlformats.org/drawingml/2006/main" xmlns:r="http://schemas.openxmlformats.org/officeDocument/2006/relationships" xmlns:p="http://schemas.openxmlformats.org/presentationml/2006/main">
+  <p:cSld>
+    <p:spTree>
+      <p:nvGrpSpPr>
+        <p:cNvPr id="1" name=""/>
+        <p:cNvGrpSpPr/>
+        <p:nvPr/>
+      </p:nvGrpSpPr>
+      <p:grpSpPr>
+        <a:xfrm>
+          <a:off x="0" y="0"/>
+          <a:ext cx="0" cy="0"/>
+          <a:chOff x="0" y="0"/>
+          <a:chExt cx="0" cy="0"/>
+        </a:xfrm>
+      </p:grpSpPr>
+      <p:sp>
+        <p:nvSpPr>
+          <p:cNvPr id="2" name="Title 1">
+            <a:extLst>
+              <a:ext uri="{FF2B5EF4-FFF2-40B4-BE49-F238E27FC236}">
+                <a16:creationId xmlns:a16="http://schemas.microsoft.com/office/drawing/2014/main" id="{D997695E-2939-3EA6-497B-3EFFE7C1F4EE}"/>
+              </a:ext>
+            </a:extLst>
+          </p:cNvPr>
+          <p:cNvSpPr>
+            <a:spLocks noGrp="1"/>
+          </p:cNvSpPr>
+          <p:nvPr>
+            <p:ph type="title"/>
+          </p:nvPr>
+        </p:nvSpPr>
+        <p:spPr/>
+        <p:txBody>
+          <a:bodyPr/>
+          <a:lstStyle/>
+          <a:p>
+            <a:r>
+              <a:rPr lang="en-US" dirty="0"/>
+              <a:t>Using Stemming and Lemming</a:t>
+            </a:r>
+          </a:p>
+        </p:txBody>
+      </p:sp>
+      <p:sp>
+        <p:nvSpPr>
+          <p:cNvPr id="3" name="Content Placeholder 2">
+            <a:extLst>
+              <a:ext uri="{FF2B5EF4-FFF2-40B4-BE49-F238E27FC236}">
+                <a16:creationId xmlns:a16="http://schemas.microsoft.com/office/drawing/2014/main" id="{5660055B-0899-6231-7998-9C6C918A6784}"/>
+              </a:ext>
+            </a:extLst>
+          </p:cNvPr>
+          <p:cNvSpPr>
+            <a:spLocks noGrp="1"/>
+          </p:cNvSpPr>
+          <p:nvPr>
+            <p:ph idx="1"/>
+          </p:nvPr>
+        </p:nvSpPr>
+        <p:spPr>
+          <a:xfrm>
+            <a:off x="1451579" y="1928192"/>
+            <a:ext cx="9603275" cy="4125290"/>
+          </a:xfrm>
+        </p:spPr>
+        <p:txBody>
+          <a:bodyPr/>
+          <a:lstStyle/>
+          <a:p>
+            <a:r>
+              <a:rPr lang="en-US" dirty="0"/>
+              <a:t>Like with vectorization, both of these operations aim to capture the ‘meaning’ of the text in the representation we are using. </a:t>
+            </a:r>
+          </a:p>
+          <a:p>
+            <a:r>
+              <a:rPr lang="en-US" dirty="0"/>
+              <a:t>For many predictive tasks, the meaning is important, the language not so much. </a:t>
+            </a:r>
+          </a:p>
+          <a:p>
+            <a:pPr lvl="1"/>
+            <a:r>
+              <a:rPr lang="en-US" dirty="0"/>
+              <a:t>E.g. Sentiment analysis. </a:t>
+            </a:r>
+          </a:p>
+          <a:p>
+            <a:r>
+              <a:rPr lang="en-US" dirty="0"/>
+              <a:t>Reducing the size of the vocabulary makes the feature set smaller. </a:t>
+            </a:r>
+          </a:p>
+          <a:p>
+            <a:pPr lvl="1"/>
+            <a:r>
+              <a:rPr lang="en-US" dirty="0"/>
+              <a:t>The problem is inherently pretty large. </a:t>
+            </a:r>
+          </a:p>
+          <a:p>
+            <a:pPr lvl="1"/>
+            <a:r>
+              <a:rPr lang="en-US" dirty="0"/>
+              <a:t>This allows for smaller models and smaller datasets to do the job. </a:t>
+            </a:r>
+          </a:p>
+          <a:p>
+            <a:r>
+              <a:rPr lang="en-US" dirty="0"/>
+              <a:t>If we were aiming to reproduce text, this simplification isn’t wanted (or less of it). </a:t>
+            </a:r>
+          </a:p>
+        </p:txBody>
+      </p:sp>
+    </p:spTree>
+    <p:extLst>
+      <p:ext uri="{BB962C8B-B14F-4D97-AF65-F5344CB8AC3E}">
+        <p14:creationId xmlns:p14="http://schemas.microsoft.com/office/powerpoint/2010/main" val="3956985106"/>
+      </p:ext>
+    </p:extLst>
+  </p:cSld>
+  <p:clrMapOvr>
+    <a:masterClrMapping/>
+  </p:clrMapOvr>
+</p:sld>
+</file>
+
+<file path=ppt/slides/slide25.xml><?xml version="1.0" encoding="utf-8"?>
+<p:sld xmlns:a="http://schemas.openxmlformats.org/drawingml/2006/main" xmlns:r="http://schemas.openxmlformats.org/officeDocument/2006/relationships" xmlns:p="http://schemas.openxmlformats.org/presentationml/2006/main">
+  <p:cSld>
+    <p:spTree>
+      <p:nvGrpSpPr>
+        <p:cNvPr id="1" name=""/>
+        <p:cNvGrpSpPr/>
+        <p:nvPr/>
+      </p:nvGrpSpPr>
+      <p:grpSpPr>
+        <a:xfrm>
+          <a:off x="0" y="0"/>
+          <a:ext cx="0" cy="0"/>
+          <a:chOff x="0" y="0"/>
+          <a:chExt cx="0" cy="0"/>
+        </a:xfrm>
+      </p:grpSpPr>
+      <p:sp>
+        <p:nvSpPr>
+          <p:cNvPr id="2" name="Title 1">
+            <a:extLst>
+              <a:ext uri="{FF2B5EF4-FFF2-40B4-BE49-F238E27FC236}">
+                <a16:creationId xmlns:a16="http://schemas.microsoft.com/office/drawing/2014/main" id="{7B3889E1-50EA-5A4C-8734-18BB690BB093}"/>
+              </a:ext>
+            </a:extLst>
+          </p:cNvPr>
+          <p:cNvSpPr>
+            <a:spLocks noGrp="1"/>
+          </p:cNvSpPr>
+          <p:nvPr>
+            <p:ph type="title"/>
+          </p:nvPr>
+        </p:nvSpPr>
+        <p:spPr/>
+        <p:txBody>
+          <a:bodyPr/>
+          <a:lstStyle/>
+          <a:p>
+            <a:r>
+              <a:rPr lang="en-US" dirty="0" err="1"/>
+              <a:t>Ngram</a:t>
+            </a:r>
+            <a:r>
+              <a:rPr lang="en-US" dirty="0"/>
+              <a:t> Range</a:t>
+            </a:r>
+          </a:p>
+        </p:txBody>
+      </p:sp>
+      <p:sp>
+        <p:nvSpPr>
+          <p:cNvPr id="3" name="Content Placeholder 2">
+            <a:extLst>
+              <a:ext uri="{FF2B5EF4-FFF2-40B4-BE49-F238E27FC236}">
+                <a16:creationId xmlns:a16="http://schemas.microsoft.com/office/drawing/2014/main" id="{9B3AB47E-6ABC-8647-9865-01ED501DFF27}"/>
+              </a:ext>
+            </a:extLst>
+          </p:cNvPr>
+          <p:cNvSpPr>
+            <a:spLocks noGrp="1"/>
+          </p:cNvSpPr>
+          <p:nvPr>
+            <p:ph idx="1"/>
+          </p:nvPr>
+        </p:nvSpPr>
+        <p:spPr>
+          <a:xfrm>
+            <a:off x="1451579" y="2015732"/>
+            <a:ext cx="9603275" cy="4150892"/>
+          </a:xfrm>
+        </p:spPr>
+        <p:txBody>
+          <a:bodyPr>
+            <a:normAutofit/>
+          </a:bodyPr>
+          <a:lstStyle/>
+          <a:p>
+            <a:r>
+              <a:rPr lang="en-US" dirty="0"/>
+              <a:t>The </a:t>
+            </a:r>
+            <a:r>
+              <a:rPr lang="en-US" dirty="0" err="1"/>
+              <a:t>ngram</a:t>
+            </a:r>
+            <a:r>
+              <a:rPr lang="en-US" dirty="0"/>
+              <a:t> range is basically the number of words allowed in a token. </a:t>
+            </a:r>
+          </a:p>
+          <a:p>
+            <a:r>
+              <a:rPr lang="en-US" dirty="0"/>
+              <a:t>Take the sentence: ”I like downhill skiing”:</a:t>
+            </a:r>
+          </a:p>
+          <a:p>
+            <a:pPr lvl="1"/>
+            <a:r>
+              <a:rPr lang="en-US" dirty="0"/>
+              <a:t>There are 4 “1-grams”, each word. </a:t>
+            </a:r>
+          </a:p>
+          <a:p>
+            <a:pPr lvl="1"/>
+            <a:r>
+              <a:rPr lang="en-US" dirty="0"/>
+              <a:t>There are 3 2-grams: “I like”, ”like downhill”, and “downhill skiing”. </a:t>
+            </a:r>
+          </a:p>
+          <a:p>
+            <a:pPr lvl="1"/>
+            <a:r>
+              <a:rPr lang="en-US" dirty="0"/>
+              <a:t>There are 2 3-grams: “I like downhill” and “like downhill skiing”. </a:t>
+            </a:r>
+          </a:p>
+          <a:p>
+            <a:pPr lvl="1"/>
+            <a:r>
+              <a:rPr lang="en-US" dirty="0"/>
+              <a:t>There is one 4-gram: “I like downhill skiing”.</a:t>
+            </a:r>
+          </a:p>
+          <a:p>
+            <a:r>
+              <a:rPr lang="en-US" dirty="0"/>
+              <a:t>Allowing for sizes &gt;1 can often help the algorithm better “understand” meaning. </a:t>
+            </a:r>
+          </a:p>
+          <a:p>
+            <a:r>
+              <a:rPr lang="en-US" dirty="0"/>
+              <a:t>E.g. Suppose you make a classifier to identify if text was about downhill skiing, waterskiing, or cross-country skiing. Allowing for 2-grams better captures context. </a:t>
+            </a:r>
+          </a:p>
+        </p:txBody>
+      </p:sp>
+    </p:spTree>
+    <p:extLst>
+      <p:ext uri="{BB962C8B-B14F-4D97-AF65-F5344CB8AC3E}">
+        <p14:creationId xmlns:p14="http://schemas.microsoft.com/office/powerpoint/2010/main" val="2597535872"/>
+      </p:ext>
+    </p:extLst>
+  </p:cSld>
+  <p:clrMapOvr>
+    <a:masterClrMapping/>
+  </p:clrMapOvr>
+</p:sld>
+</file>
+
+<file path=ppt/slides/slide26.xml><?xml version="1.0" encoding="utf-8"?>
+<p:sld xmlns:a="http://schemas.openxmlformats.org/drawingml/2006/main" xmlns:r="http://schemas.openxmlformats.org/officeDocument/2006/relationships" xmlns:p="http://schemas.openxmlformats.org/presentationml/2006/main">
+  <p:cSld>
+    <p:spTree>
+      <p:nvGrpSpPr>
+        <p:cNvPr id="1" name=""/>
+        <p:cNvGrpSpPr/>
+        <p:nvPr/>
+      </p:nvGrpSpPr>
+      <p:grpSpPr>
+        <a:xfrm>
+          <a:off x="0" y="0"/>
+          <a:ext cx="0" cy="0"/>
+          <a:chOff x="0" y="0"/>
+          <a:chExt cx="0" cy="0"/>
+        </a:xfrm>
+      </p:grpSpPr>
+      <p:sp>
+        <p:nvSpPr>
+          <p:cNvPr id="2" name="Title 1">
+            <a:extLst>
+              <a:ext uri="{FF2B5EF4-FFF2-40B4-BE49-F238E27FC236}">
+                <a16:creationId xmlns:a16="http://schemas.microsoft.com/office/drawing/2014/main" id="{817C87EB-C222-F04A-BC07-06D0C5CF53A1}"/>
+              </a:ext>
+            </a:extLst>
+          </p:cNvPr>
+          <p:cNvSpPr>
+            <a:spLocks noGrp="1"/>
+          </p:cNvSpPr>
+          <p:nvPr>
+            <p:ph type="title"/>
+          </p:nvPr>
+        </p:nvSpPr>
+        <p:spPr/>
+        <p:txBody>
+          <a:bodyPr/>
+          <a:lstStyle/>
+          <a:p>
+            <a:r>
+              <a:rPr lang="en-US" dirty="0"/>
+              <a:t>Lots of Features and Sparse Matrices</a:t>
+            </a:r>
+          </a:p>
+        </p:txBody>
+      </p:sp>
+      <p:sp>
+        <p:nvSpPr>
+          <p:cNvPr id="3" name="Content Placeholder 2">
+            <a:extLst>
+              <a:ext uri="{FF2B5EF4-FFF2-40B4-BE49-F238E27FC236}">
+                <a16:creationId xmlns:a16="http://schemas.microsoft.com/office/drawing/2014/main" id="{50A0C249-B368-2A47-A0C7-EC8B9D79ABC4}"/>
+              </a:ext>
+            </a:extLst>
+          </p:cNvPr>
+          <p:cNvSpPr>
+            <a:spLocks noGrp="1"/>
+          </p:cNvSpPr>
+          <p:nvPr>
+            <p:ph idx="1"/>
+          </p:nvPr>
+        </p:nvSpPr>
+        <p:spPr/>
+        <p:txBody>
+          <a:bodyPr/>
+          <a:lstStyle/>
+          <a:p>
+            <a:r>
+              <a:rPr lang="en-US" dirty="0"/>
+              <a:t>A result of vectorization is usually a wide matrix, with lots of features. </a:t>
+            </a:r>
+          </a:p>
+          <a:p>
+            <a:r>
+              <a:rPr lang="en-US" dirty="0"/>
+              <a:t>This matrix is almost always very sparse. </a:t>
+            </a:r>
+          </a:p>
+          <a:p>
+            <a:r>
+              <a:rPr lang="en-US" dirty="0"/>
+              <a:t>We can limit the number of features with a parameter, or…</a:t>
+            </a:r>
+          </a:p>
+          <a:p>
+            <a:r>
+              <a:rPr lang="en-US" dirty="0"/>
+              <a:t>We can use “Dimensional Reduction” to reduce the number of features. </a:t>
+            </a:r>
+          </a:p>
+          <a:p>
+            <a:pPr lvl="1"/>
+            <a:r>
+              <a:rPr lang="en-US" dirty="0"/>
+              <a:t>We’ll do this next week. </a:t>
+            </a:r>
+          </a:p>
+          <a:p>
+            <a:pPr lvl="1"/>
+            <a:r>
+              <a:rPr lang="en-US" dirty="0"/>
+              <a:t>Look up Truncated Single Value Decomposition (SVD) if you’re jumping ahead. </a:t>
+            </a:r>
+          </a:p>
+          <a:p>
+            <a:pPr lvl="1"/>
+            <a:endParaRPr lang="en-US" dirty="0"/>
+          </a:p>
+        </p:txBody>
+      </p:sp>
+    </p:spTree>
+    <p:extLst>
+      <p:ext uri="{BB962C8B-B14F-4D97-AF65-F5344CB8AC3E}">
+        <p14:creationId xmlns:p14="http://schemas.microsoft.com/office/powerpoint/2010/main" val="11098910"/>
+      </p:ext>
+    </p:extLst>
+  </p:cSld>
+  <p:clrMapOvr>
+    <a:masterClrMapping/>
+  </p:clrMapOvr>
+</p:sld>
+</file>
+
+<file path=ppt/slides/slide27.xml><?xml version="1.0" encoding="utf-8"?>
+<p:sld xmlns:a="http://schemas.openxmlformats.org/drawingml/2006/main" xmlns:r="http://schemas.openxmlformats.org/officeDocument/2006/relationships" xmlns:p="http://schemas.openxmlformats.org/presentationml/2006/main">
+  <p:cSld>
+    <p:spTree>
+      <p:nvGrpSpPr>
+        <p:cNvPr id="1" name=""/>
+        <p:cNvGrpSpPr/>
+        <p:nvPr/>
+      </p:nvGrpSpPr>
+      <p:grpSpPr>
+        <a:xfrm>
+          <a:off x="0" y="0"/>
+          <a:ext cx="0" cy="0"/>
+          <a:chOff x="0" y="0"/>
+          <a:chExt cx="0" cy="0"/>
+        </a:xfrm>
+      </p:grpSpPr>
+      <p:sp>
+        <p:nvSpPr>
+          <p:cNvPr id="2" name="Title 1">
+            <a:extLst>
+              <a:ext uri="{FF2B5EF4-FFF2-40B4-BE49-F238E27FC236}">
+                <a16:creationId xmlns:a16="http://schemas.microsoft.com/office/drawing/2014/main" id="{70DF6365-6137-98D6-FBC8-A15F64513DDA}"/>
+              </a:ext>
+            </a:extLst>
+          </p:cNvPr>
+          <p:cNvSpPr>
+            <a:spLocks noGrp="1"/>
+          </p:cNvSpPr>
+          <p:nvPr>
+            <p:ph type="title"/>
+          </p:nvPr>
+        </p:nvSpPr>
+        <p:spPr/>
+        <p:txBody>
+          <a:bodyPr/>
+          <a:lstStyle/>
+          <a:p>
+            <a:r>
+              <a:rPr lang="en-US" dirty="0"/>
+              <a:t>Note - Sparse Vectors – They’re Mostly Zero</a:t>
+            </a:r>
+          </a:p>
+        </p:txBody>
+      </p:sp>
+      <p:sp>
+        <p:nvSpPr>
+          <p:cNvPr id="3" name="Content Placeholder 2">
+            <a:extLst>
+              <a:ext uri="{FF2B5EF4-FFF2-40B4-BE49-F238E27FC236}">
+                <a16:creationId xmlns:a16="http://schemas.microsoft.com/office/drawing/2014/main" id="{B18E4FE1-8988-1581-075F-82FC82964DB5}"/>
+              </a:ext>
+            </a:extLst>
+          </p:cNvPr>
+          <p:cNvSpPr>
+            <a:spLocks noGrp="1"/>
+          </p:cNvSpPr>
+          <p:nvPr>
+            <p:ph idx="1"/>
+          </p:nvPr>
+        </p:nvSpPr>
+        <p:spPr>
+          <a:xfrm>
+            <a:off x="114300" y="1853754"/>
+            <a:ext cx="4241801" cy="4199727"/>
+          </a:xfrm>
+        </p:spPr>
+        <p:txBody>
+          <a:bodyPr/>
+          <a:lstStyle/>
+          <a:p>
+            <a:r>
+              <a:rPr lang="en-US" dirty="0"/>
+              <a:t>Sparse vectors are mostly zero. </a:t>
+            </a:r>
+          </a:p>
+          <a:p>
+            <a:r>
+              <a:rPr lang="en-US" dirty="0"/>
+              <a:t>This can be common in high-dimension, unstructured tasks like NLP. </a:t>
+            </a:r>
+          </a:p>
+          <a:p>
+            <a:r>
+              <a:rPr lang="en-US" dirty="0"/>
+              <a:t>We (sometimes) care due to performance. </a:t>
+            </a:r>
+          </a:p>
+          <a:p>
+            <a:pPr lvl="1"/>
+            <a:r>
+              <a:rPr lang="en-US" dirty="0"/>
+              <a:t>Sparse matrices can lead to problems with convergence. </a:t>
+            </a:r>
+          </a:p>
+          <a:p>
+            <a:pPr lvl="1"/>
+            <a:r>
+              <a:rPr lang="en-US" dirty="0"/>
+              <a:t>Not enough slope in GD. </a:t>
+            </a:r>
+          </a:p>
+          <a:p>
+            <a:pPr lvl="1"/>
+            <a:r>
+              <a:rPr lang="en-US" dirty="0"/>
+              <a:t>Big vector, big model, big data. </a:t>
+            </a:r>
+          </a:p>
+        </p:txBody>
+      </p:sp>
+      <p:pic>
+        <p:nvPicPr>
+          <p:cNvPr id="4098" name="Picture 2" descr="Dense Vectors: Capturing Meaning with Code | Pinecone">
+            <a:extLst>
+              <a:ext uri="{FF2B5EF4-FFF2-40B4-BE49-F238E27FC236}">
+                <a16:creationId xmlns:a16="http://schemas.microsoft.com/office/drawing/2014/main" id="{F35DD3FE-8407-FC5C-C60F-5EA758034CEC}"/>
+              </a:ext>
+            </a:extLst>
+          </p:cNvPr>
+          <p:cNvPicPr>
+            <a:picLocks noChangeAspect="1" noChangeArrowheads="1"/>
+          </p:cNvPicPr>
+          <p:nvPr/>
+        </p:nvPicPr>
+        <p:blipFill>
+          <a:blip r:embed="rId2">
+            <a:extLst>
+              <a:ext uri="{28A0092B-C50C-407E-A947-70E740481C1C}">
+                <a14:useLocalDpi xmlns:a14="http://schemas.microsoft.com/office/drawing/2010/main" val="0"/>
+              </a:ext>
+            </a:extLst>
+          </a:blip>
+          <a:srcRect/>
+          <a:stretch>
+            <a:fillRect/>
+          </a:stretch>
+        </p:blipFill>
+        <p:spPr bwMode="auto">
+          <a:xfrm>
+            <a:off x="4356100" y="1853754"/>
+            <a:ext cx="7835900" cy="4407694"/>
+          </a:xfrm>
+          <a:prstGeom prst="rect">
+            <a:avLst/>
+          </a:prstGeom>
+          <a:noFill/>
+          <a:extLst>
+            <a:ext uri="{909E8E84-426E-40DD-AFC4-6F175D3DCCD1}">
+              <a14:hiddenFill xmlns:a14="http://schemas.microsoft.com/office/drawing/2010/main">
+                <a:solidFill>
+                  <a:srgbClr val="FFFFFF"/>
+                </a:solidFill>
+              </a14:hiddenFill>
+            </a:ext>
+          </a:extLst>
+        </p:spPr>
+      </p:pic>
+    </p:spTree>
+    <p:extLst>
+      <p:ext uri="{BB962C8B-B14F-4D97-AF65-F5344CB8AC3E}">
+        <p14:creationId xmlns:p14="http://schemas.microsoft.com/office/powerpoint/2010/main" val="4278661767"/>
+      </p:ext>
+    </p:extLst>
+  </p:cSld>
+  <p:clrMapOvr>
+    <a:masterClrMapping/>
+  </p:clrMapOvr>
+</p:sld>
+</file>
+
+<file path=ppt/slides/slide28.xml><?xml version="1.0" encoding="utf-8"?>
+<p:sld xmlns:a="http://schemas.openxmlformats.org/drawingml/2006/main" xmlns:r="http://schemas.openxmlformats.org/officeDocument/2006/relationships" xmlns:p="http://schemas.openxmlformats.org/presentationml/2006/main">
+  <p:cSld>
+    <p:spTree>
+      <p:nvGrpSpPr>
+        <p:cNvPr id="1" name=""/>
+        <p:cNvGrpSpPr/>
+        <p:nvPr/>
+      </p:nvGrpSpPr>
+      <p:grpSpPr>
+        <a:xfrm>
+          <a:off x="0" y="0"/>
+          <a:ext cx="0" cy="0"/>
+          <a:chOff x="0" y="0"/>
+          <a:chExt cx="0" cy="0"/>
+        </a:xfrm>
+      </p:grpSpPr>
+      <p:sp>
+        <p:nvSpPr>
+          <p:cNvPr id="2" name="Title 1">
+            <a:extLst>
+              <a:ext uri="{FF2B5EF4-FFF2-40B4-BE49-F238E27FC236}">
+                <a16:creationId xmlns:a16="http://schemas.microsoft.com/office/drawing/2014/main" id="{DE584FE1-7584-06CE-B2E3-3DF04E712316}"/>
+              </a:ext>
+            </a:extLst>
+          </p:cNvPr>
+          <p:cNvSpPr>
+            <a:spLocks noGrp="1"/>
+          </p:cNvSpPr>
+          <p:nvPr>
+            <p:ph type="title"/>
+          </p:nvPr>
+        </p:nvSpPr>
+        <p:spPr/>
+        <p:txBody>
+          <a:bodyPr/>
+          <a:lstStyle/>
+          <a:p>
+            <a:r>
+              <a:rPr lang="en-US" dirty="0"/>
+              <a:t>Processing Text Data for Predictions</a:t>
+            </a:r>
+          </a:p>
+        </p:txBody>
+      </p:sp>
+      <p:sp>
+        <p:nvSpPr>
+          <p:cNvPr id="3" name="Content Placeholder 2">
+            <a:extLst>
+              <a:ext uri="{FF2B5EF4-FFF2-40B4-BE49-F238E27FC236}">
+                <a16:creationId xmlns:a16="http://schemas.microsoft.com/office/drawing/2014/main" id="{0A6CCC92-2C77-1020-9EC3-6012E07FA5B6}"/>
+              </a:ext>
+            </a:extLst>
+          </p:cNvPr>
+          <p:cNvSpPr>
+            <a:spLocks noGrp="1"/>
+          </p:cNvSpPr>
+          <p:nvPr>
+            <p:ph idx="1"/>
+          </p:nvPr>
+        </p:nvSpPr>
+        <p:spPr>
+          <a:xfrm>
+            <a:off x="1451579" y="1853755"/>
+            <a:ext cx="9603275" cy="4199726"/>
+          </a:xfrm>
+        </p:spPr>
+        <p:txBody>
+          <a:bodyPr/>
+          <a:lstStyle/>
+          <a:p>
+            <a:r>
+              <a:rPr lang="en-US" dirty="0"/>
+              <a:t>To use our text data to make predictions, we need to do some preprocessing. </a:t>
+            </a:r>
+          </a:p>
+          <a:p>
+            <a:pPr lvl="1"/>
+            <a:r>
+              <a:rPr lang="en-US" dirty="0"/>
+              <a:t>Tokenize the text into individual tokens (~words). </a:t>
+            </a:r>
+          </a:p>
+          <a:p>
+            <a:pPr lvl="1"/>
+            <a:r>
+              <a:rPr lang="en-US" dirty="0"/>
+              <a:t>Remove stuff that isn’t useful like punctuation and stop words. </a:t>
+            </a:r>
+          </a:p>
+          <a:p>
+            <a:pPr lvl="1"/>
+            <a:r>
+              <a:rPr lang="en-US" dirty="0"/>
+              <a:t>Stem/Lem to simplify text down to its ‘core meaning’. </a:t>
+            </a:r>
+          </a:p>
+          <a:p>
+            <a:pPr lvl="1"/>
+            <a:r>
+              <a:rPr lang="en-US" dirty="0"/>
+              <a:t>Vectorize the tokens to create a numeric representation of each document (count, </a:t>
+            </a:r>
+            <a:r>
+              <a:rPr lang="en-US" dirty="0" err="1"/>
+              <a:t>tf-idf</a:t>
+            </a:r>
+            <a:r>
+              <a:rPr lang="en-US" dirty="0"/>
+              <a:t>). </a:t>
+            </a:r>
+          </a:p>
+          <a:p>
+            <a:pPr lvl="1"/>
+            <a:r>
+              <a:rPr lang="en-US" dirty="0"/>
+              <a:t>This is now our feature set that can be used just like any other. </a:t>
+            </a:r>
+          </a:p>
+          <a:p>
+            <a:r>
+              <a:rPr lang="en-US" dirty="0"/>
+              <a:t>Representing the text in a feature set is not a determinative thing. </a:t>
+            </a:r>
+          </a:p>
+          <a:p>
+            <a:pPr lvl="1"/>
+            <a:r>
+              <a:rPr lang="en-US" dirty="0"/>
+              <a:t>Depending on what we are doing, a different representation might be better or worse. </a:t>
+            </a:r>
+          </a:p>
+          <a:p>
+            <a:pPr lvl="1"/>
+            <a:r>
+              <a:rPr lang="en-US" dirty="0"/>
+              <a:t>The parts of language, the level of detail, and the complexity of analysis all change. </a:t>
+            </a:r>
+          </a:p>
+        </p:txBody>
+      </p:sp>
+    </p:spTree>
+    <p:extLst>
+      <p:ext uri="{BB962C8B-B14F-4D97-AF65-F5344CB8AC3E}">
+        <p14:creationId xmlns:p14="http://schemas.microsoft.com/office/powerpoint/2010/main" val="1311106568"/>
+      </p:ext>
+    </p:extLst>
+  </p:cSld>
+  <p:clrMapOvr>
+    <a:masterClrMapping/>
+  </p:clrMapOvr>
+</p:sld>
+</file>
+
+<file path=ppt/slides/slide3.xml><?xml version="1.0" encoding="utf-8"?>
+<p:sld xmlns:a="http://schemas.openxmlformats.org/drawingml/2006/main" xmlns:r="http://schemas.openxmlformats.org/officeDocument/2006/relationships" xmlns:p="http://schemas.openxmlformats.org/presentationml/2006/main">
+  <p:cSld>
+    <p:spTree>
+      <p:nvGrpSpPr>
+        <p:cNvPr id="1" name=""/>
+        <p:cNvGrpSpPr/>
+        <p:nvPr/>
+      </p:nvGrpSpPr>
+      <p:grpSpPr>
+        <a:xfrm>
+          <a:off x="0" y="0"/>
+          <a:ext cx="0" cy="0"/>
+          <a:chOff x="0" y="0"/>
+          <a:chExt cx="0" cy="0"/>
+        </a:xfrm>
+      </p:grpSpPr>
+      <p:sp>
+        <p:nvSpPr>
+          <p:cNvPr id="2" name="Title 1">
+            <a:extLst>
+              <a:ext uri="{FF2B5EF4-FFF2-40B4-BE49-F238E27FC236}">
+                <a16:creationId xmlns:a16="http://schemas.microsoft.com/office/drawing/2014/main" id="{E41ABDEA-4C05-0C05-E235-35474FEE2EF2}"/>
+              </a:ext>
+            </a:extLst>
+          </p:cNvPr>
+          <p:cNvSpPr>
+            <a:spLocks noGrp="1"/>
+          </p:cNvSpPr>
+          <p:nvPr>
+            <p:ph type="title"/>
+          </p:nvPr>
+        </p:nvSpPr>
+        <p:spPr/>
+        <p:txBody>
+          <a:bodyPr/>
+          <a:lstStyle/>
+          <a:p>
+            <a:r>
+              <a:rPr lang="en-US" dirty="0"/>
+              <a:t>Rescaling options</a:t>
+            </a:r>
+          </a:p>
+        </p:txBody>
+      </p:sp>
+      <p:sp>
+        <p:nvSpPr>
+          <p:cNvPr id="3" name="Content Placeholder 2">
+            <a:extLst>
+              <a:ext uri="{FF2B5EF4-FFF2-40B4-BE49-F238E27FC236}">
+                <a16:creationId xmlns:a16="http://schemas.microsoft.com/office/drawing/2014/main" id="{347284CF-5E1A-4B18-6D01-C8511F59FB74}"/>
+              </a:ext>
+            </a:extLst>
+          </p:cNvPr>
+          <p:cNvSpPr>
+            <a:spLocks noGrp="1"/>
+          </p:cNvSpPr>
+          <p:nvPr>
+            <p:ph idx="1"/>
+          </p:nvPr>
+        </p:nvSpPr>
+        <p:spPr>
+          <a:xfrm>
+            <a:off x="88900" y="1853754"/>
+            <a:ext cx="3708400" cy="4199727"/>
+          </a:xfrm>
+        </p:spPr>
+        <p:txBody>
+          <a:bodyPr/>
+          <a:lstStyle/>
+          <a:p>
+            <a:r>
+              <a:rPr lang="en-US" dirty="0"/>
+              <a:t>Standard scaler – rescale with mean of 0 and standard deviation of 1. </a:t>
+            </a:r>
+          </a:p>
+          <a:p>
+            <a:r>
+              <a:rPr lang="en-US" dirty="0"/>
+              <a:t>Min-Max scaler – rescale with a min of 0 and max of 1 (usually). </a:t>
+            </a:r>
+          </a:p>
+          <a:p>
+            <a:r>
+              <a:rPr lang="en-US" dirty="0"/>
+              <a:t>There are a couple of other methods, but they’re less important. Same idea with all. </a:t>
+            </a:r>
+          </a:p>
+        </p:txBody>
+      </p:sp>
+      <p:pic>
+        <p:nvPicPr>
+          <p:cNvPr id="5122" name="Picture 2" descr="Data standardization top machine learning">
+            <a:extLst>
+              <a:ext uri="{FF2B5EF4-FFF2-40B4-BE49-F238E27FC236}">
+                <a16:creationId xmlns:a16="http://schemas.microsoft.com/office/drawing/2014/main" id="{5F67C0C7-76BF-4BC4-7670-9869556B5701}"/>
+              </a:ext>
+            </a:extLst>
+          </p:cNvPr>
+          <p:cNvPicPr>
+            <a:picLocks noChangeAspect="1" noChangeArrowheads="1"/>
+          </p:cNvPicPr>
+          <p:nvPr/>
+        </p:nvPicPr>
+        <p:blipFill>
+          <a:blip r:embed="rId2">
+            <a:extLst>
+              <a:ext uri="{28A0092B-C50C-407E-A947-70E740481C1C}">
+                <a14:useLocalDpi xmlns:a14="http://schemas.microsoft.com/office/drawing/2010/main" val="0"/>
+              </a:ext>
+            </a:extLst>
+          </a:blip>
+          <a:srcRect/>
+          <a:stretch>
+            <a:fillRect/>
+          </a:stretch>
+        </p:blipFill>
+        <p:spPr bwMode="auto">
+          <a:xfrm>
+            <a:off x="3867793" y="1853754"/>
+            <a:ext cx="8324208" cy="4508946"/>
+          </a:xfrm>
+          <a:prstGeom prst="rect">
+            <a:avLst/>
+          </a:prstGeom>
+          <a:noFill/>
+          <a:extLst>
+            <a:ext uri="{909E8E84-426E-40DD-AFC4-6F175D3DCCD1}">
+              <a14:hiddenFill xmlns:a14="http://schemas.microsoft.com/office/drawing/2010/main">
+                <a:solidFill>
+                  <a:srgbClr val="FFFFFF"/>
+                </a:solidFill>
+              </a14:hiddenFill>
+            </a:ext>
+          </a:extLst>
+        </p:spPr>
+      </p:pic>
+    </p:spTree>
+    <p:extLst>
+      <p:ext uri="{BB962C8B-B14F-4D97-AF65-F5344CB8AC3E}">
+        <p14:creationId xmlns:p14="http://schemas.microsoft.com/office/powerpoint/2010/main" val="3943256381"/>
+      </p:ext>
+    </p:extLst>
+  </p:cSld>
+  <p:clrMapOvr>
+    <a:masterClrMapping/>
+  </p:clrMapOvr>
+</p:sld>
+</file>
+
+<file path=ppt/slides/slide4.xml><?xml version="1.0" encoding="utf-8"?>
+<p:sld xmlns:a="http://schemas.openxmlformats.org/drawingml/2006/main" xmlns:r="http://schemas.openxmlformats.org/officeDocument/2006/relationships" xmlns:p="http://schemas.openxmlformats.org/presentationml/2006/main">
+  <p:cSld>
+    <p:spTree>
+      <p:nvGrpSpPr>
+        <p:cNvPr id="1" name=""/>
+        <p:cNvGrpSpPr/>
+        <p:nvPr/>
+      </p:nvGrpSpPr>
+      <p:grpSpPr>
+        <a:xfrm>
+          <a:off x="0" y="0"/>
+          <a:ext cx="0" cy="0"/>
+          <a:chOff x="0" y="0"/>
+          <a:chExt cx="0" cy="0"/>
+        </a:xfrm>
+      </p:grpSpPr>
+      <p:sp>
+        <p:nvSpPr>
+          <p:cNvPr id="2" name="Title 1">
+            <a:extLst>
+              <a:ext uri="{FF2B5EF4-FFF2-40B4-BE49-F238E27FC236}">
+                <a16:creationId xmlns:a16="http://schemas.microsoft.com/office/drawing/2014/main" id="{DC27422B-0455-1CF2-3CCE-9F1180ABCBD0}"/>
+              </a:ext>
+            </a:extLst>
+          </p:cNvPr>
+          <p:cNvSpPr>
+            <a:spLocks noGrp="1"/>
+          </p:cNvSpPr>
+          <p:nvPr>
+            <p:ph type="title"/>
+          </p:nvPr>
+        </p:nvSpPr>
+        <p:spPr>
+          <a:xfrm>
+            <a:off x="1" y="1"/>
+            <a:ext cx="2120899" cy="1853754"/>
+          </a:xfrm>
+        </p:spPr>
+        <p:txBody>
+          <a:bodyPr/>
+          <a:lstStyle/>
+          <a:p>
+            <a:r>
+              <a:rPr lang="en-US" dirty="0"/>
+              <a:t>Which one to use?</a:t>
+            </a:r>
+          </a:p>
+        </p:txBody>
+      </p:sp>
+      <p:sp>
+        <p:nvSpPr>
+          <p:cNvPr id="3" name="Content Placeholder 2">
+            <a:extLst>
+              <a:ext uri="{FF2B5EF4-FFF2-40B4-BE49-F238E27FC236}">
+                <a16:creationId xmlns:a16="http://schemas.microsoft.com/office/drawing/2014/main" id="{D7BDBF37-2FE0-F5C7-A03E-06A832494A4D}"/>
+              </a:ext>
+            </a:extLst>
+          </p:cNvPr>
+          <p:cNvSpPr>
+            <a:spLocks noGrp="1"/>
+          </p:cNvSpPr>
+          <p:nvPr>
+            <p:ph idx="1"/>
+          </p:nvPr>
+        </p:nvSpPr>
+        <p:spPr>
+          <a:xfrm>
+            <a:off x="1451579" y="2015732"/>
+            <a:ext cx="9603275" cy="4037749"/>
+          </a:xfrm>
+        </p:spPr>
+        <p:txBody>
+          <a:bodyPr/>
+          <a:lstStyle/>
+          <a:p>
+            <a:r>
+              <a:rPr lang="en-US" dirty="0"/>
+              <a:t>The real answer for ML usage is that we need to test and observe the results. </a:t>
+            </a:r>
+          </a:p>
+          <a:p>
+            <a:pPr lvl="1"/>
+            <a:r>
+              <a:rPr lang="en-US" dirty="0"/>
+              <a:t>For the most part, as datasets grow, there won’t really be massive differences. </a:t>
+            </a:r>
+          </a:p>
+          <a:p>
+            <a:r>
+              <a:rPr lang="en-US" dirty="0"/>
+              <a:t>The statistical answer is that it depends on the data and what we are using it for. </a:t>
+            </a:r>
+          </a:p>
+          <a:p>
+            <a:r>
+              <a:rPr lang="en-US" dirty="0"/>
+              <a:t>Each of the options is a transformation of the data, the impacts are different:</a:t>
+            </a:r>
+          </a:p>
+          <a:p>
+            <a:pPr lvl="1"/>
+            <a:r>
+              <a:rPr lang="en-US" dirty="0"/>
+              <a:t>Standardization is based on normal distribution, so data that (roughly) follows that pattern fits.</a:t>
+            </a:r>
+          </a:p>
+          <a:p>
+            <a:pPr lvl="1"/>
+            <a:r>
+              <a:rPr lang="en-US" dirty="0"/>
+              <a:t>The range in standardization isn’t bounded. </a:t>
+            </a:r>
+          </a:p>
+          <a:p>
+            <a:pPr lvl="1"/>
+            <a:r>
+              <a:rPr lang="en-US" dirty="0"/>
+              <a:t>Normalization shifts the data to be within a specified range – a shift.</a:t>
+            </a:r>
+          </a:p>
+          <a:p>
+            <a:pPr lvl="1"/>
+            <a:r>
+              <a:rPr lang="en-US" dirty="0"/>
+              <a:t>Normalization is also (potentially) massively impacted by outliers, since it squeezes the data. </a:t>
+            </a:r>
+          </a:p>
+        </p:txBody>
+      </p:sp>
+      <p:pic>
+        <p:nvPicPr>
+          <p:cNvPr id="7170" name="Picture 2" descr="Data Transformation: Standardization vs Normalization">
+            <a:extLst>
+              <a:ext uri="{FF2B5EF4-FFF2-40B4-BE49-F238E27FC236}">
+                <a16:creationId xmlns:a16="http://schemas.microsoft.com/office/drawing/2014/main" id="{6E86442D-4311-3EAF-D39F-3F32CAE645AF}"/>
+              </a:ext>
+            </a:extLst>
+          </p:cNvPr>
+          <p:cNvPicPr>
+            <a:picLocks noChangeAspect="1" noChangeArrowheads="1"/>
+          </p:cNvPicPr>
+          <p:nvPr/>
+        </p:nvPicPr>
+        <p:blipFill>
+          <a:blip r:embed="rId2">
+            <a:extLst>
+              <a:ext uri="{28A0092B-C50C-407E-A947-70E740481C1C}">
+                <a14:useLocalDpi xmlns:a14="http://schemas.microsoft.com/office/drawing/2010/main" val="0"/>
+              </a:ext>
+            </a:extLst>
+          </a:blip>
+          <a:srcRect/>
+          <a:stretch>
+            <a:fillRect/>
+          </a:stretch>
+        </p:blipFill>
+        <p:spPr bwMode="auto">
+          <a:xfrm>
+            <a:off x="1827359" y="67881"/>
+            <a:ext cx="10364640" cy="1717993"/>
+          </a:xfrm>
+          <a:prstGeom prst="rect">
+            <a:avLst/>
+          </a:prstGeom>
+          <a:noFill/>
+          <a:extLst>
+            <a:ext uri="{909E8E84-426E-40DD-AFC4-6F175D3DCCD1}">
+              <a14:hiddenFill xmlns:a14="http://schemas.microsoft.com/office/drawing/2010/main">
+                <a:solidFill>
+                  <a:srgbClr val="FFFFFF"/>
+                </a:solidFill>
+              </a14:hiddenFill>
+            </a:ext>
+          </a:extLst>
+        </p:spPr>
+      </p:pic>
+    </p:spTree>
+    <p:extLst>
+      <p:ext uri="{BB962C8B-B14F-4D97-AF65-F5344CB8AC3E}">
+        <p14:creationId xmlns:p14="http://schemas.microsoft.com/office/powerpoint/2010/main" val="3524442885"/>
+      </p:ext>
+    </p:extLst>
+  </p:cSld>
+  <p:clrMapOvr>
+    <a:masterClrMapping/>
+  </p:clrMapOvr>
+</p:sld>
+</file>
+
+<file path=ppt/slides/slide5.xml><?xml version="1.0" encoding="utf-8"?>
+<p:sld xmlns:a="http://schemas.openxmlformats.org/drawingml/2006/main" xmlns:r="http://schemas.openxmlformats.org/officeDocument/2006/relationships" xmlns:p="http://schemas.openxmlformats.org/presentationml/2006/main">
+  <p:cSld>
+    <p:spTree>
+      <p:nvGrpSpPr>
+        <p:cNvPr id="1" name=""/>
+        <p:cNvGrpSpPr/>
+        <p:nvPr/>
+      </p:nvGrpSpPr>
+      <p:grpSpPr>
+        <a:xfrm>
+          <a:off x="0" y="0"/>
+          <a:ext cx="0" cy="0"/>
+          <a:chOff x="0" y="0"/>
+          <a:chExt cx="0" cy="0"/>
+        </a:xfrm>
+      </p:grpSpPr>
+      <p:sp>
+        <p:nvSpPr>
+          <p:cNvPr id="2" name="Title 1">
+            <a:extLst>
+              <a:ext uri="{FF2B5EF4-FFF2-40B4-BE49-F238E27FC236}">
+                <a16:creationId xmlns:a16="http://schemas.microsoft.com/office/drawing/2014/main" id="{165D0FCF-C435-D66A-9C39-2D8CD55329DA}"/>
+              </a:ext>
+            </a:extLst>
+          </p:cNvPr>
+          <p:cNvSpPr>
+            <a:spLocks noGrp="1"/>
+          </p:cNvSpPr>
+          <p:nvPr>
+            <p:ph type="title"/>
+          </p:nvPr>
+        </p:nvSpPr>
+        <p:spPr/>
+        <p:txBody>
+          <a:bodyPr/>
+          <a:lstStyle/>
+          <a:p>
+            <a:r>
+              <a:rPr lang="en-US" dirty="0"/>
+              <a:t>Ok, so what do I use?</a:t>
+            </a:r>
+          </a:p>
+        </p:txBody>
+      </p:sp>
+      <p:sp>
+        <p:nvSpPr>
+          <p:cNvPr id="3" name="Content Placeholder 2">
+            <a:extLst>
+              <a:ext uri="{FF2B5EF4-FFF2-40B4-BE49-F238E27FC236}">
+                <a16:creationId xmlns:a16="http://schemas.microsoft.com/office/drawing/2014/main" id="{8D232F11-89C0-E013-87F9-48AE60BDD601}"/>
+              </a:ext>
+            </a:extLst>
+          </p:cNvPr>
+          <p:cNvSpPr>
+            <a:spLocks noGrp="1"/>
+          </p:cNvSpPr>
+          <p:nvPr>
+            <p:ph idx="1"/>
+          </p:nvPr>
+        </p:nvSpPr>
+        <p:spPr>
+          <a:xfrm>
+            <a:off x="1292087" y="1853754"/>
+            <a:ext cx="9959009" cy="4199727"/>
+          </a:xfrm>
+        </p:spPr>
+        <p:txBody>
+          <a:bodyPr>
+            <a:normAutofit/>
+          </a:bodyPr>
+          <a:lstStyle/>
+          <a:p>
+            <a:r>
+              <a:rPr lang="en-US" dirty="0"/>
+              <a:t>In general, if the data is normally distributed or we are doing something that assumes normality (like PCA, gaussian Bayes, clustering), then standardization may be better. </a:t>
+            </a:r>
+          </a:p>
+          <a:p>
+            <a:pPr lvl="1"/>
+            <a:r>
+              <a:rPr lang="en-US" dirty="0"/>
+              <a:t>~ A model assumes that the data is normally distributed about the mean, that’s hard coded.</a:t>
+            </a:r>
+          </a:p>
+          <a:p>
+            <a:pPr lvl="1"/>
+            <a:r>
+              <a:rPr lang="en-US" dirty="0"/>
+              <a:t>If we need outliers kept, standardization will likely be better. </a:t>
+            </a:r>
+          </a:p>
+          <a:p>
+            <a:pPr lvl="1"/>
+            <a:r>
+              <a:rPr lang="en-US" dirty="0"/>
+              <a:t>We’ll do one assignment where we generate data, and the pattern that is generated is based on an assumption of normality. In this case, we’ll expect better results with standard data. </a:t>
+            </a:r>
+          </a:p>
+          <a:p>
+            <a:r>
+              <a:rPr lang="en-US" dirty="0"/>
+              <a:t>In general, if the data is not normal, normalization may be better.</a:t>
+            </a:r>
+          </a:p>
+          <a:p>
+            <a:pPr lvl="1"/>
+            <a:r>
+              <a:rPr lang="en-US" dirty="0"/>
+              <a:t>Image processing always uses normalization to shift feature range to 0 to 1. </a:t>
+            </a:r>
+          </a:p>
+          <a:p>
+            <a:pPr lvl="1"/>
+            <a:r>
+              <a:rPr lang="en-US" dirty="0"/>
+              <a:t>If we ‘just need to prevent disproportionate impact of features’, normalization does that. </a:t>
+            </a:r>
+          </a:p>
+          <a:p>
+            <a:r>
+              <a:rPr lang="en-US" dirty="0"/>
+              <a:t>These are very loose rules. </a:t>
+            </a:r>
+          </a:p>
+        </p:txBody>
+      </p:sp>
+    </p:spTree>
+    <p:extLst>
+      <p:ext uri="{BB962C8B-B14F-4D97-AF65-F5344CB8AC3E}">
+        <p14:creationId xmlns:p14="http://schemas.microsoft.com/office/powerpoint/2010/main" val="1038530929"/>
+      </p:ext>
+    </p:extLst>
+  </p:cSld>
+  <p:clrMapOvr>
+    <a:masterClrMapping/>
+  </p:clrMapOvr>
+</p:sld>
+</file>
+
+<file path=ppt/slides/slide6.xml><?xml version="1.0" encoding="utf-8"?>
+<p:sld xmlns:a="http://schemas.openxmlformats.org/drawingml/2006/main" xmlns:r="http://schemas.openxmlformats.org/officeDocument/2006/relationships" xmlns:p="http://schemas.openxmlformats.org/presentationml/2006/main">
+  <p:cSld>
+    <p:spTree>
+      <p:nvGrpSpPr>
+        <p:cNvPr id="1" name=""/>
+        <p:cNvGrpSpPr/>
+        <p:nvPr/>
+      </p:nvGrpSpPr>
+      <p:grpSpPr>
+        <a:xfrm>
+          <a:off x="0" y="0"/>
+          <a:ext cx="0" cy="0"/>
+          <a:chOff x="0" y="0"/>
+          <a:chExt cx="0" cy="0"/>
+        </a:xfrm>
+      </p:grpSpPr>
+      <p:sp>
+        <p:nvSpPr>
+          <p:cNvPr id="2" name="Title 1">
+            <a:extLst>
+              <a:ext uri="{FF2B5EF4-FFF2-40B4-BE49-F238E27FC236}">
+                <a16:creationId xmlns:a16="http://schemas.microsoft.com/office/drawing/2014/main" id="{4F997763-D0E2-3845-5000-1F6872FE8580}"/>
+              </a:ext>
+            </a:extLst>
+          </p:cNvPr>
+          <p:cNvSpPr>
+            <a:spLocks noGrp="1"/>
+          </p:cNvSpPr>
+          <p:nvPr>
+            <p:ph type="title"/>
+          </p:nvPr>
+        </p:nvSpPr>
+        <p:spPr/>
+        <p:txBody>
+          <a:bodyPr/>
+          <a:lstStyle/>
+          <a:p>
+            <a:r>
+              <a:rPr lang="en-US" dirty="0"/>
+              <a:t>So…</a:t>
+            </a:r>
+          </a:p>
+        </p:txBody>
+      </p:sp>
+      <p:sp>
+        <p:nvSpPr>
+          <p:cNvPr id="3" name="Content Placeholder 2">
+            <a:extLst>
+              <a:ext uri="{FF2B5EF4-FFF2-40B4-BE49-F238E27FC236}">
+                <a16:creationId xmlns:a16="http://schemas.microsoft.com/office/drawing/2014/main" id="{B9BCC052-9FCA-63F1-7CB1-DF01F261220A}"/>
+              </a:ext>
+            </a:extLst>
+          </p:cNvPr>
+          <p:cNvSpPr>
+            <a:spLocks noGrp="1"/>
+          </p:cNvSpPr>
+          <p:nvPr>
+            <p:ph idx="1"/>
+          </p:nvPr>
+        </p:nvSpPr>
+        <p:spPr>
+          <a:xfrm>
+            <a:off x="1451579" y="1928191"/>
+            <a:ext cx="9603275" cy="4125290"/>
+          </a:xfrm>
+        </p:spPr>
+        <p:txBody>
+          <a:bodyPr/>
+          <a:lstStyle/>
+          <a:p>
+            <a:r>
+              <a:rPr lang="en-US" dirty="0"/>
+              <a:t>I searched but couldn’t really find a more satisfying rule, it depends is the answer. </a:t>
+            </a:r>
+          </a:p>
+          <a:p>
+            <a:pPr lvl="1"/>
+            <a:r>
+              <a:rPr lang="en-US" dirty="0"/>
+              <a:t>MOST of the benefit comes with either, the specific performance depends on the details. </a:t>
+            </a:r>
+          </a:p>
+          <a:p>
+            <a:r>
+              <a:rPr lang="en-US" dirty="0"/>
+              <a:t>Both techniques perform similar things, and maintain the original distribution shape. </a:t>
+            </a:r>
+          </a:p>
+          <a:p>
+            <a:pPr lvl="1"/>
+            <a:r>
+              <a:rPr lang="en-US" dirty="0"/>
+              <a:t>Normalization – the range is hard bounded (usually 0 to 1). </a:t>
+            </a:r>
+          </a:p>
+          <a:p>
+            <a:pPr lvl="1"/>
+            <a:r>
+              <a:rPr lang="en-US" dirty="0"/>
+              <a:t>Standardization – the range is not limited. </a:t>
+            </a:r>
+          </a:p>
+          <a:p>
+            <a:r>
+              <a:rPr lang="en-US" dirty="0"/>
+              <a:t>The bulk of the benefit comes from the shared improvements:</a:t>
+            </a:r>
+          </a:p>
+          <a:p>
+            <a:pPr lvl="1"/>
+            <a:r>
+              <a:rPr lang="en-US" dirty="0"/>
+              <a:t>Equalizing scales allows the model to learn better, both in metrics and speed. </a:t>
+            </a:r>
+          </a:p>
+          <a:p>
+            <a:pPr lvl="1"/>
+            <a:r>
+              <a:rPr lang="en-US" dirty="0"/>
+              <a:t>Distance based calculations (grad. Desc., MSE, </a:t>
+            </a:r>
+            <a:r>
+              <a:rPr lang="en-US" dirty="0" err="1"/>
+              <a:t>etc</a:t>
+            </a:r>
+            <a:r>
+              <a:rPr lang="en-US" dirty="0"/>
+              <a:t>…) will see improvements with either. </a:t>
+            </a:r>
+          </a:p>
+          <a:p>
+            <a:pPr lvl="1"/>
+            <a:r>
+              <a:rPr lang="en-US" dirty="0"/>
+              <a:t>There are some cases where the difference might (really) matter, but probably not. </a:t>
+            </a:r>
+          </a:p>
+        </p:txBody>
+      </p:sp>
+    </p:spTree>
+    <p:extLst>
+      <p:ext uri="{BB962C8B-B14F-4D97-AF65-F5344CB8AC3E}">
+        <p14:creationId xmlns:p14="http://schemas.microsoft.com/office/powerpoint/2010/main" val="2990054439"/>
+      </p:ext>
+    </p:extLst>
+  </p:cSld>
+  <p:clrMapOvr>
+    <a:masterClrMapping/>
+  </p:clrMapOvr>
+</p:sld>
+</file>
+
 <file path=ppt/slides/slide7.xml><?xml version="1.0" encoding="utf-8"?>
 <p:sld xmlns:a="http://schemas.openxmlformats.org/drawingml/2006/main" xmlns:r="http://schemas.openxmlformats.org/officeDocument/2006/relationships" xmlns:p="http://schemas.openxmlformats.org/presentationml/2006/main">
   <p:cSld>
@@ -4560,7 +7598,7 @@
           <p:cNvPr id="2" name="Title 1">
             <a:extLst>
               <a:ext uri="{FF2B5EF4-FFF2-40B4-BE49-F238E27FC236}">
-                <a16:creationId xmlns:a16="http://schemas.microsoft.com/office/drawing/2014/main" id="{3257B2E1-C3F3-1A40-8531-1696128EBE97}"/>
+                <a16:creationId xmlns:a16="http://schemas.microsoft.com/office/drawing/2014/main" id="{C5092D04-83BB-BC40-A621-50C2A01BF172}"/>
               </a:ext>
             </a:extLst>
           </p:cNvPr>
@@ -4568,32 +7606,29 @@
             <a:spLocks noGrp="1"/>
           </p:cNvSpPr>
           <p:nvPr>
-            <p:ph type="title"/>
+            <p:ph type="ctrTitle"/>
           </p:nvPr>
         </p:nvSpPr>
         <p:spPr/>
         <p:txBody>
-          <a:bodyPr/>
-          <a:lstStyle/>
-          <a:p>
-            <a:r>
-              <a:rPr lang="en-US" dirty="0"/>
-              <a:t>Stems and </a:t>
-            </a:r>
-            <a:r>
-              <a:rPr lang="en-US" dirty="0" err="1"/>
-              <a:t>Lemms</a:t>
-            </a:r>
-            <a:endParaRPr lang="en-US" dirty="0"/>
-          </a:p>
-        </p:txBody>
-      </p:sp>
-      <p:sp>
-        <p:nvSpPr>
-          <p:cNvPr id="3" name="Content Placeholder 2">
+          <a:bodyPr>
+            <a:normAutofit fontScale="90000"/>
+          </a:bodyPr>
+          <a:lstStyle/>
+          <a:p>
+            <a:r>
+              <a:rPr lang="en-US" dirty="0"/>
+              <a:t>Basic Text Processing and NLP</a:t>
+            </a:r>
+          </a:p>
+        </p:txBody>
+      </p:sp>
+      <p:sp>
+        <p:nvSpPr>
+          <p:cNvPr id="3" name="Subtitle 2">
             <a:extLst>
               <a:ext uri="{FF2B5EF4-FFF2-40B4-BE49-F238E27FC236}">
-                <a16:creationId xmlns:a16="http://schemas.microsoft.com/office/drawing/2014/main" id="{1B1EAFB2-4FC9-7747-B7D7-3F4B27E0AD3E}"/>
+                <a16:creationId xmlns:a16="http://schemas.microsoft.com/office/drawing/2014/main" id="{5BED6B4A-D955-394D-87C4-DD91EBB5FCC3}"/>
               </a:ext>
             </a:extLst>
           </p:cNvPr>
@@ -4601,83 +7636,22 @@
             <a:spLocks noGrp="1"/>
           </p:cNvSpPr>
           <p:nvPr>
-            <p:ph idx="1"/>
-          </p:nvPr>
-        </p:nvSpPr>
-        <p:spPr>
-          <a:xfrm>
-            <a:off x="1451579" y="2015732"/>
-            <a:ext cx="9603275" cy="4037749"/>
-          </a:xfrm>
-        </p:spPr>
-        <p:txBody>
-          <a:bodyPr/>
-          <a:lstStyle/>
-          <a:p>
-            <a:r>
-              <a:rPr lang="en-US" dirty="0"/>
-              <a:t>Stemming and lemmatization both seek to trim words back to their “root”.</a:t>
-            </a:r>
-          </a:p>
-          <a:p>
-            <a:r>
-              <a:rPr lang="en-US" dirty="0"/>
-              <a:t>Stemming:</a:t>
-            </a:r>
-          </a:p>
-          <a:p>
-            <a:pPr lvl="1"/>
-            <a:r>
-              <a:rPr lang="en-US" dirty="0"/>
-              <a:t>More simple, just chops word down to root by removing prefix and suffix.</a:t>
-            </a:r>
-          </a:p>
-          <a:p>
-            <a:pPr lvl="1"/>
-            <a:r>
-              <a:rPr lang="en-US" dirty="0"/>
-              <a:t>E.g. “climbing” becomes “climb”.</a:t>
-            </a:r>
-          </a:p>
-          <a:p>
-            <a:r>
-              <a:rPr lang="en-US" dirty="0"/>
-              <a:t>Lemmatization:</a:t>
-            </a:r>
-          </a:p>
-          <a:p>
-            <a:pPr lvl="1"/>
-            <a:r>
-              <a:rPr lang="en-US" dirty="0"/>
-              <a:t>Lemmatization simplified words to their “lemma”, the “root meaning”.</a:t>
-            </a:r>
-          </a:p>
-          <a:p>
-            <a:pPr lvl="1"/>
-            <a:r>
-              <a:rPr lang="en-US" dirty="0"/>
-              <a:t>E.g. “better” becomes “good”.</a:t>
-            </a:r>
-          </a:p>
-          <a:p>
-            <a:r>
-              <a:rPr lang="en-US" dirty="0"/>
-              <a:t>Each of these can help our model understand text better:</a:t>
-            </a:r>
-          </a:p>
-          <a:p>
-            <a:pPr lvl="1"/>
-            <a:r>
-              <a:rPr lang="en-US" dirty="0"/>
-              <a:t>“I went climbing” has a similar meaning to “I did a climb”. </a:t>
-            </a:r>
+            <p:ph type="subTitle" idx="1"/>
+          </p:nvPr>
+        </p:nvSpPr>
+        <p:spPr/>
+        <p:txBody>
+          <a:bodyPr/>
+          <a:lstStyle/>
+          <a:p>
+            <a:endParaRPr lang="en-US"/>
           </a:p>
         </p:txBody>
       </p:sp>
     </p:spTree>
     <p:extLst>
       <p:ext uri="{BB962C8B-B14F-4D97-AF65-F5344CB8AC3E}">
-        <p14:creationId xmlns:p14="http://schemas.microsoft.com/office/powerpoint/2010/main" val="2786490206"/>
+        <p14:creationId xmlns:p14="http://schemas.microsoft.com/office/powerpoint/2010/main" val="1564064052"/>
       </p:ext>
     </p:extLst>
   </p:cSld>
@@ -4709,7 +7683,7 @@
           <p:cNvPr id="2" name="Title 1">
             <a:extLst>
               <a:ext uri="{FF2B5EF4-FFF2-40B4-BE49-F238E27FC236}">
-                <a16:creationId xmlns:a16="http://schemas.microsoft.com/office/drawing/2014/main" id="{7B3889E1-50EA-5A4C-8734-18BB690BB093}"/>
+                <a16:creationId xmlns:a16="http://schemas.microsoft.com/office/drawing/2014/main" id="{F3B80B3F-7B42-8E71-A04F-3D4797E02182}"/>
               </a:ext>
             </a:extLst>
           </p:cNvPr>
@@ -4726,12 +7700,8 @@
           <a:lstStyle/>
           <a:p>
             <a:r>
-              <a:rPr lang="en-US" dirty="0" err="1"/>
-              <a:t>Ngram</a:t>
-            </a:r>
-            <a:r>
-              <a:rPr lang="en-US" dirty="0"/>
-              <a:t> Range</a:t>
+              <a:rPr lang="en-US" dirty="0"/>
+              <a:t>Text and Machine Learning</a:t>
             </a:r>
           </a:p>
         </p:txBody>
@@ -4741,7 +7711,7 @@
           <p:cNvPr id="3" name="Content Placeholder 2">
             <a:extLst>
               <a:ext uri="{FF2B5EF4-FFF2-40B4-BE49-F238E27FC236}">
-                <a16:creationId xmlns:a16="http://schemas.microsoft.com/office/drawing/2014/main" id="{9B3AB47E-6ABC-8647-9865-01ED501DFF27}"/>
+                <a16:creationId xmlns:a16="http://schemas.microsoft.com/office/drawing/2014/main" id="{F3287FEB-77C6-B2B9-791F-C19167E11F31}"/>
               </a:ext>
             </a:extLst>
           </p:cNvPr>
@@ -4754,81 +7724,117 @@
         </p:nvSpPr>
         <p:spPr>
           <a:xfrm>
-            <a:off x="1451579" y="2015732"/>
-            <a:ext cx="9603275" cy="4150892"/>
+            <a:off x="1451579" y="1938130"/>
+            <a:ext cx="5127021" cy="4115351"/>
           </a:xfrm>
         </p:spPr>
         <p:txBody>
-          <a:bodyPr>
-            <a:normAutofit/>
-          </a:bodyPr>
-          <a:lstStyle/>
-          <a:p>
-            <a:r>
-              <a:rPr lang="en-US" dirty="0"/>
-              <a:t>The </a:t>
+          <a:bodyPr/>
+          <a:lstStyle/>
+          <a:p>
+            <a:r>
+              <a:rPr lang="en-US" dirty="0"/>
+              <a:t>Many of the coolest AI and ML things that have happened recently have been in NLP. </a:t>
+            </a:r>
+          </a:p>
+          <a:p>
+            <a:pPr lvl="1"/>
+            <a:r>
+              <a:rPr lang="en-US" dirty="0"/>
+              <a:t>Natural language processing. </a:t>
+            </a:r>
+          </a:p>
+          <a:p>
+            <a:r>
+              <a:rPr lang="en-US" dirty="0"/>
+              <a:t>AI assistant type things. </a:t>
+            </a:r>
+          </a:p>
+          <a:p>
+            <a:pPr lvl="1"/>
+            <a:r>
+              <a:rPr lang="en-US" dirty="0"/>
+              <a:t>Siri, Alexa, Google, </a:t>
             </a:r>
             <a:r>
               <a:rPr lang="en-US" dirty="0" err="1"/>
-              <a:t>ngram</a:t>
-            </a:r>
-            <a:r>
-              <a:rPr lang="en-US" dirty="0"/>
-              <a:t> range is basically the number of words allowed in a token. </a:t>
-            </a:r>
-          </a:p>
-          <a:p>
-            <a:r>
-              <a:rPr lang="en-US" dirty="0"/>
-              <a:t>Take the sentence: ”I like downhill skiing”:</a:t>
-            </a:r>
-          </a:p>
-          <a:p>
-            <a:pPr lvl="1"/>
-            <a:r>
-              <a:rPr lang="en-US" dirty="0"/>
-              <a:t>There are 4 “1-grams”, each word. </a:t>
-            </a:r>
-          </a:p>
-          <a:p>
-            <a:pPr lvl="1"/>
-            <a:r>
-              <a:rPr lang="en-US" dirty="0"/>
-              <a:t>There are 3 2-grams: “I like”, ”like downhill”, and “downhill skiing”. </a:t>
-            </a:r>
-          </a:p>
-          <a:p>
-            <a:pPr lvl="1"/>
-            <a:r>
-              <a:rPr lang="en-US" dirty="0"/>
-              <a:t>There are 2 3-grams: “I like downhill” and “like downhill skiing”. </a:t>
-            </a:r>
-          </a:p>
-          <a:p>
-            <a:pPr lvl="1"/>
-            <a:r>
-              <a:rPr lang="en-US" dirty="0"/>
-              <a:t>There is one 4-gram: “I like downhill skiing”.</a:t>
-            </a:r>
-          </a:p>
-          <a:p>
-            <a:r>
-              <a:rPr lang="en-US" dirty="0"/>
-              <a:t>Allowing for sizes &gt;1 can often help the algorithm better “understand” meaning. </a:t>
-            </a:r>
-          </a:p>
-          <a:p>
-            <a:r>
-              <a:rPr lang="en-US" dirty="0"/>
-              <a:t>E.g. Suppose you make a classifier to identify if text was about downhill skiing, waterskiing, or cross-country skiing. Allowing for 2-grams better captures context. </a:t>
-            </a:r>
-          </a:p>
-        </p:txBody>
-      </p:sp>
+              <a:t>etc</a:t>
+            </a:r>
+            <a:r>
+              <a:rPr lang="en-US" dirty="0"/>
+              <a:t>…</a:t>
+            </a:r>
+          </a:p>
+          <a:p>
+            <a:r>
+              <a:rPr lang="en-US" dirty="0"/>
+              <a:t>Generative Large Language Models. </a:t>
+            </a:r>
+          </a:p>
+          <a:p>
+            <a:pPr lvl="1"/>
+            <a:r>
+              <a:rPr lang="en-US" dirty="0"/>
+              <a:t>ChatGPT, the assorted competitors. </a:t>
+            </a:r>
+          </a:p>
+          <a:p>
+            <a:r>
+              <a:rPr lang="en-US" dirty="0"/>
+              <a:t>We can use language as a data source for stuff like this, and regular ML predictions. </a:t>
+            </a:r>
+          </a:p>
+        </p:txBody>
+      </p:sp>
+      <p:pic>
+        <p:nvPicPr>
+          <p:cNvPr id="8194" name="Picture 2" descr="Why NLP Matters: Significance of Natural Language Processing">
+            <a:extLst>
+              <a:ext uri="{FF2B5EF4-FFF2-40B4-BE49-F238E27FC236}">
+                <a16:creationId xmlns:a16="http://schemas.microsoft.com/office/drawing/2014/main" id="{6DB5FBA5-08F1-3445-CE4B-6542DF192EC7}"/>
+              </a:ext>
+            </a:extLst>
+          </p:cNvPr>
+          <p:cNvPicPr>
+            <a:picLocks noChangeAspect="1" noChangeArrowheads="1"/>
+          </p:cNvPicPr>
+          <p:nvPr/>
+        </p:nvPicPr>
+        <p:blipFill rotWithShape="1">
+          <a:blip r:embed="rId2">
+            <a:extLst>
+              <a:ext uri="{28A0092B-C50C-407E-A947-70E740481C1C}">
+                <a14:useLocalDpi xmlns:a14="http://schemas.microsoft.com/office/drawing/2010/main" val="0"/>
+              </a:ext>
+            </a:extLst>
+          </a:blip>
+          <a:srcRect l="10001" t="19381" r="8148" b="2777"/>
+          <a:stretch/>
+        </p:blipFill>
+        <p:spPr bwMode="auto">
+          <a:xfrm>
+            <a:off x="6578600" y="1519636"/>
+            <a:ext cx="5613400" cy="5338364"/>
+          </a:xfrm>
+          <a:prstGeom prst="rect">
+            <a:avLst/>
+          </a:prstGeom>
+          <a:noFill/>
+          <a:extLst>
+            <a:ext uri="{909E8E84-426E-40DD-AFC4-6F175D3DCCD1}">
+              <a14:hiddenFill xmlns:a14="http://schemas.microsoft.com/office/drawing/2010/main">
+                <a:solidFill>
+                  <a:srgbClr val="FFFFFF"/>
+                </a:solidFill>
+              </a14:hiddenFill>
+            </a:ext>
+          </a:extLst>
+        </p:spPr>
+      </p:pic>
     </p:spTree>
     <p:extLst>
       <p:ext uri="{BB962C8B-B14F-4D97-AF65-F5344CB8AC3E}">
-        <p14:creationId xmlns:p14="http://schemas.microsoft.com/office/powerpoint/2010/main" val="2597535872"/>
+        <p14:creationId xmlns:p14="http://schemas.microsoft.com/office/powerpoint/2010/main" val="3625963647"/>
       </p:ext>
     </p:extLst>
   </p:cSld>
@@ -4860,7 +7866,7 @@
           <p:cNvPr id="2" name="Title 1">
             <a:extLst>
               <a:ext uri="{FF2B5EF4-FFF2-40B4-BE49-F238E27FC236}">
-                <a16:creationId xmlns:a16="http://schemas.microsoft.com/office/drawing/2014/main" id="{817C87EB-C222-F04A-BC07-06D0C5CF53A1}"/>
+                <a16:creationId xmlns:a16="http://schemas.microsoft.com/office/drawing/2014/main" id="{61EDF64F-D842-BC89-0EF5-971EE5C40C23}"/>
               </a:ext>
             </a:extLst>
           </p:cNvPr>
@@ -4878,7 +7884,7 @@
           <a:p>
             <a:r>
               <a:rPr lang="en-US" dirty="0"/>
-              <a:t>Lots of Features and Sparse Matrices</a:t>
+              <a:t>Natural Language</a:t>
             </a:r>
           </a:p>
         </p:txBody>
@@ -4888,7 +7894,7 @@
           <p:cNvPr id="3" name="Content Placeholder 2">
             <a:extLst>
               <a:ext uri="{FF2B5EF4-FFF2-40B4-BE49-F238E27FC236}">
-                <a16:creationId xmlns:a16="http://schemas.microsoft.com/office/drawing/2014/main" id="{50A0C249-B368-2A47-A0C7-EC8B9D79ABC4}"/>
+                <a16:creationId xmlns:a16="http://schemas.microsoft.com/office/drawing/2014/main" id="{EFCE2DED-7FE5-F08B-22B4-E5FC32F59E5A}"/>
               </a:ext>
             </a:extLst>
           </p:cNvPr>
@@ -4899,58 +7905,112 @@
             <p:ph idx="1"/>
           </p:nvPr>
         </p:nvSpPr>
-        <p:spPr/>
-        <p:txBody>
-          <a:bodyPr/>
-          <a:lstStyle/>
-          <a:p>
-            <a:r>
-              <a:rPr lang="en-US" dirty="0"/>
-              <a:t>A result of vectorization is usually a wide matrix, with lots of features. </a:t>
-            </a:r>
-          </a:p>
-          <a:p>
-            <a:r>
-              <a:rPr lang="en-US" dirty="0"/>
-              <a:t>This matrix is almost always very sparse. </a:t>
-            </a:r>
-          </a:p>
-          <a:p>
-            <a:r>
-              <a:rPr lang="en-US" dirty="0"/>
-              <a:t>We can limit the number of features with a parameter, or…</a:t>
-            </a:r>
-          </a:p>
-          <a:p>
-            <a:r>
-              <a:rPr lang="en-US" dirty="0"/>
-              <a:t>We can use “Dimensional Reduction” to reduce the number of features. </a:t>
-            </a:r>
-          </a:p>
-          <a:p>
-            <a:pPr lvl="1"/>
-            <a:r>
-              <a:rPr lang="en-US" dirty="0"/>
-              <a:t>We’ll do this next week. </a:t>
-            </a:r>
-          </a:p>
-          <a:p>
-            <a:pPr lvl="1"/>
-            <a:r>
-              <a:rPr lang="en-US" dirty="0"/>
-              <a:t>Look up Truncated Single Value Decomposition (SVD) if you’re jumping ahead. </a:t>
-            </a:r>
-          </a:p>
-          <a:p>
-            <a:pPr lvl="1"/>
-            <a:endParaRPr lang="en-US" dirty="0"/>
+        <p:spPr>
+          <a:xfrm>
+            <a:off x="1451579" y="2015732"/>
+            <a:ext cx="9603275" cy="4037749"/>
+          </a:xfrm>
+        </p:spPr>
+        <p:txBody>
+          <a:bodyPr>
+            <a:normAutofit/>
+          </a:bodyPr>
+          <a:lstStyle/>
+          <a:p>
+            <a:r>
+              <a:rPr lang="en-US" dirty="0"/>
+              <a:t>Natural language is text that exists in its natural, human usable, state. </a:t>
+            </a:r>
+          </a:p>
+          <a:p>
+            <a:pPr lvl="1"/>
+            <a:r>
+              <a:rPr lang="en-US" dirty="0"/>
+              <a:t>Like this sentence, any word document, or pretty much any text. </a:t>
+            </a:r>
+          </a:p>
+          <a:p>
+            <a:r>
+              <a:rPr lang="en-US" dirty="0"/>
+              <a:t>The text in its original form can’t be used, but there is info in it that we can extract. </a:t>
+            </a:r>
+          </a:p>
+          <a:p>
+            <a:pPr lvl="1"/>
+            <a:r>
+              <a:rPr lang="en-US" dirty="0"/>
+              <a:t>E.g. “</a:t>
+            </a:r>
+            <a:r>
+              <a:rPr lang="en-CA" dirty="0" err="1"/>
+              <a:t>FreeMsg</a:t>
+            </a:r>
+            <a:r>
+              <a:rPr lang="en-CA" dirty="0"/>
+              <a:t> Hey there darling it's been 3 week's now and no word back! I'd like some fun you up for it still? Tb ok! </a:t>
+            </a:r>
+            <a:r>
+              <a:rPr lang="en-CA" dirty="0" err="1"/>
+              <a:t>XxX</a:t>
+            </a:r>
+            <a:r>
+              <a:rPr lang="en-CA" dirty="0"/>
+              <a:t> std </a:t>
+            </a:r>
+            <a:r>
+              <a:rPr lang="en-CA" dirty="0" err="1"/>
+              <a:t>chgs</a:t>
+            </a:r>
+            <a:r>
+              <a:rPr lang="en-CA" dirty="0"/>
+              <a:t> to send, å£1.50 to </a:t>
+            </a:r>
+            <a:r>
+              <a:rPr lang="en-CA" dirty="0" err="1"/>
+              <a:t>rcv</a:t>
+            </a:r>
+            <a:r>
+              <a:rPr lang="en-CA" dirty="0"/>
+              <a:t> </a:t>
+            </a:r>
+            <a:r>
+              <a:rPr lang="en-US" dirty="0"/>
+              <a:t>”</a:t>
+            </a:r>
+          </a:p>
+          <a:p>
+            <a:r>
+              <a:rPr lang="en-US" dirty="0"/>
+              <a:t>NLP Terms:</a:t>
+            </a:r>
+          </a:p>
+          <a:p>
+            <a:pPr lvl="1"/>
+            <a:r>
+              <a:rPr lang="en-US" dirty="0"/>
+              <a:t>Document - each row of text in dataset. </a:t>
+            </a:r>
+          </a:p>
+          <a:p>
+            <a:pPr lvl="1"/>
+            <a:r>
+              <a:rPr lang="en-US" dirty="0"/>
+              <a:t>Corpus – entire dataset of text. </a:t>
+            </a:r>
+          </a:p>
+          <a:p>
+            <a:pPr lvl="1"/>
+            <a:r>
+              <a:rPr lang="en-US" dirty="0"/>
+              <a:t>Token – a word (kind of, more later.)</a:t>
+            </a:r>
           </a:p>
         </p:txBody>
       </p:sp>
     </p:spTree>
     <p:extLst>
       <p:ext uri="{BB962C8B-B14F-4D97-AF65-F5344CB8AC3E}">
-        <p14:creationId xmlns:p14="http://schemas.microsoft.com/office/powerpoint/2010/main" val="11098910"/>
+        <p14:creationId xmlns:p14="http://schemas.microsoft.com/office/powerpoint/2010/main" val="2937206081"/>
       </p:ext>
     </p:extLst>
   </p:cSld>
